--- a/Vortrag/Abschlussprojekt.pptx
+++ b/Vortrag/Abschlussprojekt.pptx
@@ -212,7 +212,7 @@
             <a:fld id="{19491150-8A65-441D-A330-1719206D58D9}" type="datetimeFigureOut">
               <a:rPr lang="en-US" smtClean="0"/>
               <a:pPr/>
-              <a:t>12.06.15</a:t>
+              <a:t>6/13/2015</a:t>
             </a:fld>
             <a:endParaRPr lang="en-US"/>
           </a:p>
@@ -788,7 +788,7 @@
             <a:fld id="{EBB374AE-5038-4DCF-B957-FDD1D783926A}" type="datetime1">
               <a:rPr lang="en-US" smtClean="0"/>
               <a:pPr/>
-              <a:t>12.06.15</a:t>
+              <a:t>6/13/2015</a:t>
             </a:fld>
             <a:endParaRPr lang="en-US"/>
           </a:p>
@@ -856,7 +856,7 @@
             <a:fld id="{D7DFE6A7-88F1-4FDA-93EA-C252B6CF00C8}" type="datetime1">
               <a:rPr lang="en-US" smtClean="0"/>
               <a:pPr/>
-              <a:t>12.06.15</a:t>
+              <a:t>6/13/2015</a:t>
             </a:fld>
             <a:endParaRPr lang="en-US"/>
           </a:p>
@@ -1112,7 +1112,7 @@
             <a:fld id="{D01DCC59-108E-49D4-9A65-614F0F29D41F}" type="datetime1">
               <a:rPr lang="en-US" smtClean="0"/>
               <a:pPr/>
-              <a:t>12.06.15</a:t>
+              <a:t>6/13/2015</a:t>
             </a:fld>
             <a:endParaRPr lang="en-US"/>
           </a:p>
@@ -1351,7 +1351,7 @@
             <a:fld id="{2D8D42EB-78C8-4F19-A512-31C48DB943E6}" type="datetime1">
               <a:rPr lang="en-US" smtClean="0"/>
               <a:pPr/>
-              <a:t>12.06.15</a:t>
+              <a:t>6/13/2015</a:t>
             </a:fld>
             <a:endParaRPr lang="en-US"/>
           </a:p>
@@ -1583,7 +1583,7 @@
             <a:fld id="{87C8E3B4-E425-4688-9A97-8500629AFD6A}" type="datetime1">
               <a:rPr lang="en-US" smtClean="0"/>
               <a:pPr/>
-              <a:t>12.06.15</a:t>
+              <a:t>6/13/2015</a:t>
             </a:fld>
             <a:endParaRPr lang="en-US"/>
           </a:p>
@@ -1709,7 +1709,7 @@
             <a:fld id="{2A651CF5-37D4-447B-8928-30C3EC73D95C}" type="datetime1">
               <a:rPr lang="en-US" smtClean="0"/>
               <a:pPr/>
-              <a:t>12.06.15</a:t>
+              <a:t>6/13/2015</a:t>
             </a:fld>
             <a:endParaRPr lang="en-US"/>
           </a:p>
@@ -1902,7 +1902,7 @@
             <a:fld id="{54BB1E38-78A7-418E-B471-378A836405E4}" type="datetime1">
               <a:rPr lang="en-US" smtClean="0"/>
               <a:pPr/>
-              <a:t>12.06.15</a:t>
+              <a:t>6/13/2015</a:t>
             </a:fld>
             <a:endParaRPr lang="en-US"/>
           </a:p>
@@ -2088,7 +2088,7 @@
             <a:fld id="{6284725B-EDA3-40A6-8072-BB6433687091}" type="datetime1">
               <a:rPr lang="en-US" smtClean="0"/>
               <a:pPr/>
-              <a:t>12.06.15</a:t>
+              <a:t>6/13/2015</a:t>
             </a:fld>
             <a:endParaRPr lang="en-US"/>
           </a:p>
@@ -2306,7 +2306,7 @@
             <a:fld id="{4DEC2C5D-655E-4152-859F-3F8319264CD3}" type="datetime1">
               <a:rPr lang="en-US" smtClean="0"/>
               <a:pPr/>
-              <a:t>12.06.15</a:t>
+              <a:t>6/13/2015</a:t>
             </a:fld>
             <a:endParaRPr lang="en-US"/>
           </a:p>
@@ -2655,7 +2655,7 @@
             <a:fld id="{D58D95B6-6C59-4277-8B48-8BF9EDA32D8E}" type="datetime1">
               <a:rPr lang="en-US" smtClean="0"/>
               <a:pPr/>
-              <a:t>12.06.15</a:t>
+              <a:t>6/13/2015</a:t>
             </a:fld>
             <a:endParaRPr lang="en-US"/>
           </a:p>
@@ -2873,7 +2873,7 @@
             <a:fld id="{9A805D76-AC07-4CE3-996F-B93C9C507840}" type="datetime1">
               <a:rPr lang="en-US" smtClean="0"/>
               <a:pPr/>
-              <a:t>12.06.15</a:t>
+              <a:t>6/13/2015</a:t>
             </a:fld>
             <a:endParaRPr lang="en-US"/>
           </a:p>
@@ -3008,7 +3008,7 @@
             <a:fld id="{62F60CE3-0F49-4BB6-A3EC-95CC3D68F124}" type="datetime1">
               <a:rPr lang="en-US" smtClean="0"/>
               <a:pPr/>
-              <a:t>12.06.15</a:t>
+              <a:t>6/13/2015</a:t>
             </a:fld>
             <a:endParaRPr lang="en-US"/>
           </a:p>
@@ -3285,7 +3285,7 @@
             <a:fld id="{793DFF63-DE46-40A9-88D8-976CB0BE1FD7}" type="datetime1">
               <a:rPr lang="en-US" smtClean="0"/>
               <a:pPr/>
-              <a:t>12.06.15</a:t>
+              <a:t>6/13/2015</a:t>
             </a:fld>
             <a:endParaRPr lang="en-US"/>
           </a:p>
@@ -3689,7 +3689,7 @@
   <p:timing>
     <p:tnLst>
       <p:par>
-        <p:cTn xmlns:p14="http://schemas.microsoft.com/office/powerpoint/2010/main" id="1" dur="indefinite" restart="never" nodeType="tmRoot"/>
+        <p:cTn id="1" dur="indefinite" restart="never" nodeType="tmRoot"/>
       </p:par>
     </p:tnLst>
   </p:timing>
@@ -3768,11 +3768,7 @@
           <a:p>
             <a:r>
               <a:rPr lang="de-DE" sz="3200" dirty="0" smtClean="0"/>
-              <a:t>Funktionsweise </a:t>
-            </a:r>
-            <a:r>
-              <a:rPr lang="de-DE" sz="3200" dirty="0" smtClean="0"/>
-              <a:t>des Spektralphotometers</a:t>
+              <a:t>Das Spektralphotometer</a:t>
             </a:r>
             <a:endParaRPr lang="en-US" sz="3200" dirty="0">
               <a:solidFill>
@@ -3927,7 +3923,7 @@
   <p:timing>
     <p:tnLst>
       <p:par>
-        <p:cTn xmlns:p14="http://schemas.microsoft.com/office/powerpoint/2010/main" id="1" dur="indefinite" restart="never" nodeType="tmRoot">
+        <p:cTn id="1" dur="indefinite" restart="never" nodeType="tmRoot">
           <p:childTnLst>
             <p:seq concurrent="1" nextAc="seek">
               <p:cTn id="2" dur="indefinite" nodeType="mainSeq">
@@ -4540,7 +4536,7 @@
   <p:timing>
     <p:tnLst>
       <p:par>
-        <p:cTn xmlns:p14="http://schemas.microsoft.com/office/powerpoint/2010/main" id="1" dur="indefinite" restart="never" nodeType="tmRoot"/>
+        <p:cTn id="1" dur="indefinite" restart="never" nodeType="tmRoot"/>
       </p:par>
     </p:tnLst>
   </p:timing>
@@ -4611,7 +4607,6 @@
               <a:rPr lang="de-DE" sz="2400" dirty="0" smtClean="0"/>
               <a:t>Festfaktor</a:t>
             </a:r>
-            <a:endParaRPr lang="de-DE" sz="2400" dirty="0" smtClean="0"/>
           </a:p>
           <a:p>
             <a:pPr marL="342900" indent="-342900">
@@ -4644,7 +4639,6 @@
               <a:rPr lang="de-DE" sz="2400" dirty="0" smtClean="0"/>
               <a:t>Standardaddition</a:t>
             </a:r>
-            <a:endParaRPr lang="de-DE" sz="2400" dirty="0" smtClean="0"/>
           </a:p>
         </p:txBody>
       </p:sp>
@@ -4963,7 +4957,7 @@
   <p:timing>
     <p:tnLst>
       <p:par>
-        <p:cTn xmlns:p14="http://schemas.microsoft.com/office/powerpoint/2010/main" id="1" dur="indefinite" restart="never" nodeType="tmRoot"/>
+        <p:cTn id="1" dur="indefinite" restart="never" nodeType="tmRoot"/>
       </p:par>
     </p:tnLst>
   </p:timing>
@@ -5321,7 +5315,7 @@
   <p:timing>
     <p:tnLst>
       <p:par>
-        <p:cTn xmlns:p14="http://schemas.microsoft.com/office/powerpoint/2010/main" id="1" dur="indefinite" restart="never" nodeType="tmRoot"/>
+        <p:cTn id="1" dur="indefinite" restart="never" nodeType="tmRoot"/>
       </p:par>
     </p:tnLst>
   </p:timing>
@@ -5679,7 +5673,7 @@
   <p:timing>
     <p:tnLst>
       <p:par>
-        <p:cTn xmlns:p14="http://schemas.microsoft.com/office/powerpoint/2010/main" id="1" dur="indefinite" restart="never" nodeType="tmRoot"/>
+        <p:cTn id="1" dur="indefinite" restart="never" nodeType="tmRoot"/>
       </p:par>
     </p:tnLst>
   </p:timing>
@@ -6047,7 +6041,7 @@
   <p:timing>
     <p:tnLst>
       <p:par>
-        <p:cTn xmlns:p14="http://schemas.microsoft.com/office/powerpoint/2010/main" id="1" dur="indefinite" restart="never" nodeType="tmRoot"/>
+        <p:cTn id="1" dur="indefinite" restart="never" nodeType="tmRoot"/>
       </p:par>
     </p:tnLst>
   </p:timing>
@@ -6405,7 +6399,7 @@
   <p:timing>
     <p:tnLst>
       <p:par>
-        <p:cTn xmlns:p14="http://schemas.microsoft.com/office/powerpoint/2010/main" id="1" dur="indefinite" restart="never" nodeType="tmRoot"/>
+        <p:cTn id="1" dur="indefinite" restart="never" nodeType="tmRoot"/>
       </p:par>
     </p:tnLst>
   </p:timing>
@@ -6763,7 +6757,7 @@
   <p:timing>
     <p:tnLst>
       <p:par>
-        <p:cTn xmlns:p14="http://schemas.microsoft.com/office/powerpoint/2010/main" id="1" dur="indefinite" restart="never" nodeType="tmRoot"/>
+        <p:cTn id="1" dur="indefinite" restart="never" nodeType="tmRoot"/>
       </p:par>
     </p:tnLst>
   </p:timing>
@@ -7131,7 +7125,7 @@
   <p:timing>
     <p:tnLst>
       <p:par>
-        <p:cTn xmlns:p14="http://schemas.microsoft.com/office/powerpoint/2010/main" id="1" dur="indefinite" restart="never" nodeType="tmRoot"/>
+        <p:cTn id="1" dur="indefinite" restart="never" nodeType="tmRoot"/>
       </p:par>
     </p:tnLst>
   </p:timing>
@@ -7297,14 +7291,14 @@
           </a:ln>
           <a:effectLst/>
           <a:extLst>
-            <a:ext uri="{909E8E84-426E-40dd-AFC4-6F175D3DCCD1}">
+            <a:ext uri="{909E8E84-426E-40DD-AFC4-6F175D3DCCD1}">
               <a14:hiddenFill xmlns:a14="http://schemas.microsoft.com/office/drawing/2010/main">
                 <a:solidFill>
                   <a:schemeClr val="accent1"/>
                 </a:solidFill>
               </a14:hiddenFill>
             </a:ext>
-            <a:ext uri="{91240B29-F687-4f45-9708-019B960494DF}">
+            <a:ext uri="{91240B29-F687-4F45-9708-019B960494DF}">
               <a14:hiddenLine xmlns:a14="http://schemas.microsoft.com/office/drawing/2010/main" w="9525">
                 <a:solidFill>
                   <a:schemeClr val="tx1"/>
@@ -7314,7 +7308,7 @@
                 <a:tailEnd/>
               </a14:hiddenLine>
             </a:ext>
-            <a:ext uri="{AF507438-7753-43e0-B8FC-AC1667EBCBE1}">
+            <a:ext uri="{AF507438-7753-43E0-B8FC-AC1667EBCBE1}">
               <a14:hiddenEffects xmlns:a14="http://schemas.microsoft.com/office/drawing/2010/main">
                 <a:effectLst>
                   <a:outerShdw dist="35921" dir="2700000" algn="ctr" rotWithShape="0">
@@ -7395,7 +7389,7 @@
   <p:timing>
     <p:tnLst>
       <p:par>
-        <p:cTn xmlns:p14="http://schemas.microsoft.com/office/powerpoint/2010/main" id="1" dur="indefinite" restart="never" nodeType="tmRoot">
+        <p:cTn id="1" dur="indefinite" restart="never" nodeType="tmRoot">
           <p:childTnLst>
             <p:seq concurrent="1" nextAc="seek">
               <p:cTn id="2" dur="indefinite" nodeType="mainSeq">
@@ -7571,14 +7565,14 @@
           </a:ln>
           <a:effectLst/>
           <a:extLst>
-            <a:ext uri="{909E8E84-426E-40dd-AFC4-6F175D3DCCD1}">
+            <a:ext uri="{909E8E84-426E-40DD-AFC4-6F175D3DCCD1}">
               <a14:hiddenFill xmlns:a14="http://schemas.microsoft.com/office/drawing/2010/main">
                 <a:solidFill>
                   <a:schemeClr val="accent1"/>
                 </a:solidFill>
               </a14:hiddenFill>
             </a:ext>
-            <a:ext uri="{91240B29-F687-4f45-9708-019B960494DF}">
+            <a:ext uri="{91240B29-F687-4F45-9708-019B960494DF}">
               <a14:hiddenLine xmlns:a14="http://schemas.microsoft.com/office/drawing/2010/main" w="9525">
                 <a:solidFill>
                   <a:schemeClr val="tx1"/>
@@ -7588,7 +7582,7 @@
                 <a:tailEnd/>
               </a14:hiddenLine>
             </a:ext>
-            <a:ext uri="{AF507438-7753-43e0-B8FC-AC1667EBCBE1}">
+            <a:ext uri="{AF507438-7753-43E0-B8FC-AC1667EBCBE1}">
               <a14:hiddenEffects xmlns:a14="http://schemas.microsoft.com/office/drawing/2010/main">
                 <a:effectLst>
                   <a:outerShdw dist="35921" dir="2700000" algn="ctr" rotWithShape="0">
@@ -7635,14 +7629,14 @@
           </a:ln>
           <a:effectLst/>
           <a:extLst>
-            <a:ext uri="{909E8E84-426E-40dd-AFC4-6F175D3DCCD1}">
+            <a:ext uri="{909E8E84-426E-40DD-AFC4-6F175D3DCCD1}">
               <a14:hiddenFill xmlns:a14="http://schemas.microsoft.com/office/drawing/2010/main">
                 <a:solidFill>
                   <a:schemeClr val="accent1"/>
                 </a:solidFill>
               </a14:hiddenFill>
             </a:ext>
-            <a:ext uri="{91240B29-F687-4f45-9708-019B960494DF}">
+            <a:ext uri="{91240B29-F687-4F45-9708-019B960494DF}">
               <a14:hiddenLine xmlns:a14="http://schemas.microsoft.com/office/drawing/2010/main" w="9525">
                 <a:solidFill>
                   <a:schemeClr val="tx1"/>
@@ -7652,7 +7646,7 @@
                 <a:tailEnd/>
               </a14:hiddenLine>
             </a:ext>
-            <a:ext uri="{AF507438-7753-43e0-B8FC-AC1667EBCBE1}">
+            <a:ext uri="{AF507438-7753-43E0-B8FC-AC1667EBCBE1}">
               <a14:hiddenEffects xmlns:a14="http://schemas.microsoft.com/office/drawing/2010/main">
                 <a:effectLst>
                   <a:outerShdw dist="35921" dir="2700000" algn="ctr" rotWithShape="0">
@@ -7699,14 +7693,14 @@
           </a:ln>
           <a:effectLst/>
           <a:extLst>
-            <a:ext uri="{909E8E84-426E-40dd-AFC4-6F175D3DCCD1}">
+            <a:ext uri="{909E8E84-426E-40DD-AFC4-6F175D3DCCD1}">
               <a14:hiddenFill xmlns:a14="http://schemas.microsoft.com/office/drawing/2010/main">
                 <a:solidFill>
                   <a:schemeClr val="accent1"/>
                 </a:solidFill>
               </a14:hiddenFill>
             </a:ext>
-            <a:ext uri="{91240B29-F687-4f45-9708-019B960494DF}">
+            <a:ext uri="{91240B29-F687-4F45-9708-019B960494DF}">
               <a14:hiddenLine xmlns:a14="http://schemas.microsoft.com/office/drawing/2010/main" w="9525">
                 <a:solidFill>
                   <a:schemeClr val="tx1"/>
@@ -7716,7 +7710,7 @@
                 <a:tailEnd/>
               </a14:hiddenLine>
             </a:ext>
-            <a:ext uri="{AF507438-7753-43e0-B8FC-AC1667EBCBE1}">
+            <a:ext uri="{AF507438-7753-43E0-B8FC-AC1667EBCBE1}">
               <a14:hiddenEffects xmlns:a14="http://schemas.microsoft.com/office/drawing/2010/main">
                 <a:effectLst>
                   <a:outerShdw dist="35921" dir="2700000" algn="ctr" rotWithShape="0">
@@ -7736,7 +7730,7 @@
   <p:timing>
     <p:tnLst>
       <p:par>
-        <p:cTn xmlns:p14="http://schemas.microsoft.com/office/powerpoint/2010/main" id="1" dur="indefinite" restart="never" nodeType="tmRoot"/>
+        <p:cTn id="1" dur="indefinite" restart="never" nodeType="tmRoot"/>
       </p:par>
     </p:tnLst>
   </p:timing>
@@ -7880,7 +7874,7 @@
         <p:spPr/>
         <p:txBody>
           <a:bodyPr>
-            <a:normAutofit fontScale="25000" lnSpcReduction="20000"/>
+            <a:normAutofit fontScale="32500" lnSpcReduction="20000"/>
           </a:bodyPr>
           <a:lstStyle/>
           <a:p>
@@ -7895,20 +7889,20 @@
               <a:buChar char="v"/>
             </a:pPr>
             <a:r>
+              <a:rPr lang="de-DE" sz="4400" dirty="0">
+                <a:hlinkClick r:id="rId2"/>
+              </a:rPr>
+              <a:t>http://</a:t>
+            </a:r>
+            <a:r>
+              <a:rPr lang="de-DE" sz="4400" dirty="0" smtClean="0">
+                <a:hlinkClick r:id="rId2"/>
+              </a:rPr>
+              <a:t>carbomer.com/news/wp-content/uploads/2015/01/Glucose-and-Fructose.jpg</a:t>
+            </a:r>
+            <a:r>
               <a:rPr lang="de-DE" sz="4400" dirty="0" smtClean="0"/>
-              <a:t>Chemietechnik(Dr</a:t>
-            </a:r>
-            <a:r>
-              <a:rPr lang="de-DE" sz="4400" dirty="0"/>
-              <a:t>.-Ing. Eckhard </a:t>
-            </a:r>
-            <a:r>
-              <a:rPr lang="de-DE" sz="4400" dirty="0" err="1"/>
-              <a:t>Ignatowitz</a:t>
-            </a:r>
-            <a:r>
-              <a:rPr lang="de-DE" sz="4400" dirty="0"/>
-              <a:t> 8. Auflage VERLAG EUROPA-LEHRMITTEL)</a:t>
+              <a:t> - Fruktose Glukosebild</a:t>
             </a:r>
           </a:p>
           <a:p>
@@ -7922,7 +7916,14 @@
               <a:buFont typeface="Wingdings" pitchFamily="2" charset="2"/>
               <a:buChar char="v"/>
             </a:pPr>
-            <a:endParaRPr lang="de-DE" sz="4400" dirty="0"/>
+            <a:r>
+              <a:rPr lang="de-DE" sz="4400" dirty="0"/>
+              <a:t>http://hauptstadtbienen.de/wp-content/uploads/2015/02/honeybee-solo.jpg - Biene </a:t>
+            </a:r>
+            <a:r>
+              <a:rPr lang="de-DE" sz="4400" dirty="0" smtClean="0"/>
+              <a:t>Titel</a:t>
+            </a:r>
           </a:p>
           <a:p>
             <a:pPr marL="571500" indent="-571500">
@@ -7936,8 +7937,12 @@
               <a:buChar char="v"/>
             </a:pPr>
             <a:r>
+              <a:rPr lang="de-DE" sz="4400" dirty="0"/>
+              <a:t>http://www.amicella.de/typo3temp/pics/CSP_0934355_Honig_300_e852e90ecd.jpg - Honig </a:t>
+            </a:r>
+            <a:r>
               <a:rPr lang="de-DE" sz="4400" dirty="0" smtClean="0"/>
-              <a:t>http://de.wikipedia.org/wiki/Verdr%C3%A4ngerpumpe#Verdr.C3.A4ngerpumpen</a:t>
+              <a:t>Titel</a:t>
             </a:r>
           </a:p>
           <a:p>
@@ -7951,7 +7956,7 @@
               <a:buFont typeface="Wingdings" pitchFamily="2" charset="2"/>
               <a:buChar char="v"/>
             </a:pPr>
-            <a:endParaRPr lang="de-DE" sz="4400" dirty="0" smtClean="0"/>
+            <a:endParaRPr lang="da-DK" sz="4400" dirty="0"/>
           </a:p>
           <a:p>
             <a:pPr marL="571500" indent="-571500">
@@ -7965,8 +7970,12 @@
               <a:buChar char="v"/>
             </a:pPr>
             <a:r>
-              <a:rPr lang="de-DE" sz="4400" dirty="0" smtClean="0"/>
-              <a:t>http://de.wikipedia.org/wiki/Impellerpumpe#Impellerpumpe</a:t>
+              <a:rPr lang="da-DK" sz="4400" dirty="0"/>
+              <a:t>http://upload.wikimedia.org/wikipedia/commons/thumb/e/e0/Structural_formula_of_Hydroxymethylfurfural.svg/221px-Structural_formula_of_Hydroxymethylfurfural.svg.png - HMF Grafik </a:t>
+            </a:r>
+            <a:r>
+              <a:rPr lang="da-DK" sz="4400" dirty="0" smtClean="0"/>
+              <a:t>Titel</a:t>
             </a:r>
           </a:p>
           <a:p>
@@ -7980,7 +7989,22 @@
               <a:buFont typeface="Wingdings" pitchFamily="2" charset="2"/>
               <a:buChar char="v"/>
             </a:pPr>
-            <a:endParaRPr lang="de-DE" sz="4400" dirty="0" smtClean="0"/>
+            <a:r>
+              <a:rPr lang="de-DE" sz="4400" dirty="0"/>
+              <a:t>https://outnow.ch/Media/Movies/Bilder/2007/BeeMovie/characters.p/01.jpg - </a:t>
+            </a:r>
+            <a:r>
+              <a:rPr lang="de-DE" sz="4400" dirty="0" err="1"/>
+              <a:t>BeeMovie</a:t>
+            </a:r>
+            <a:r>
+              <a:rPr lang="de-DE" sz="4400" dirty="0"/>
+              <a:t> </a:t>
+            </a:r>
+            <a:r>
+              <a:rPr lang="de-DE" sz="4400" dirty="0" smtClean="0"/>
+              <a:t>ende</a:t>
+            </a:r>
           </a:p>
           <a:p>
             <a:pPr marL="571500" indent="-571500">
@@ -7994,9 +8018,30 @@
               <a:buChar char="v"/>
             </a:pPr>
             <a:r>
+              <a:rPr lang="de-DE" sz="4400" dirty="0">
+                <a:hlinkClick r:id="rId3"/>
+              </a:rPr>
+              <a:t>http://de.wikipedia.org/wiki/Ameisens%C3%A4ure#/</a:t>
+            </a:r>
+            <a:r>
+              <a:rPr lang="de-DE" sz="4400" dirty="0" smtClean="0">
+                <a:hlinkClick r:id="rId3"/>
+              </a:rPr>
+              <a:t>media/File:Formic_acid.svg</a:t>
+            </a:r>
+            <a:r>
               <a:rPr lang="de-DE" sz="4400" dirty="0" smtClean="0"/>
-              <a:t>http://www.fmld.at/fotos_upl/20080402190928_57_Schraubenspindelpumpe_Serie_CK_bis_70_bar.jpg</a:t>
-            </a:r>
+              <a:t> – </a:t>
+            </a:r>
+            <a:r>
+              <a:rPr lang="de-DE" sz="4400" dirty="0"/>
+              <a:t> </a:t>
+            </a:r>
+            <a:r>
+              <a:rPr lang="de-DE" sz="4400" dirty="0" err="1" smtClean="0"/>
+              <a:t>Amseisensäure</a:t>
+            </a:r>
+            <a:endParaRPr lang="de-DE" sz="4400" dirty="0" smtClean="0"/>
           </a:p>
           <a:p>
             <a:pPr marL="571500" indent="-571500">
@@ -8009,227 +8054,23 @@
               <a:buFont typeface="Wingdings" pitchFamily="2" charset="2"/>
               <a:buChar char="v"/>
             </a:pPr>
+            <a:r>
+              <a:rPr lang="de-DE" sz="4400" dirty="0">
+                <a:hlinkClick r:id="rId4"/>
+              </a:rPr>
+              <a:t>http://de.wikipedia.org/wiki/Citronens%C3%A4ure#/media/File:Zitronens%C3%A4ure_-_</a:t>
+            </a:r>
+            <a:r>
+              <a:rPr lang="de-DE" sz="4400" dirty="0" smtClean="0">
+                <a:hlinkClick r:id="rId4"/>
+              </a:rPr>
+              <a:t>Citric_acid.svg</a:t>
+            </a:r>
+            <a:r>
+              <a:rPr lang="de-DE" sz="4400" dirty="0" smtClean="0"/>
+              <a:t> - Zitronensäure</a:t>
+            </a:r>
             <a:endParaRPr lang="de-DE" sz="4400" dirty="0" smtClean="0"/>
-          </a:p>
-          <a:p>
-            <a:pPr marL="571500" indent="-571500">
-              <a:lnSpc>
-                <a:spcPct val="120000"/>
-              </a:lnSpc>
-              <a:spcAft>
-                <a:spcPts val="0"/>
-              </a:spcAft>
-              <a:buFont typeface="Wingdings" pitchFamily="2" charset="2"/>
-              <a:buChar char="v"/>
-            </a:pPr>
-            <a:r>
-              <a:rPr lang="de-DE" sz="4400" dirty="0" smtClean="0"/>
-              <a:t>http://tipp-international.de/verwaltung/tipp/upload/bilder/big/B16736_21387.jpg</a:t>
-            </a:r>
-          </a:p>
-          <a:p>
-            <a:pPr marL="571500" indent="-571500">
-              <a:lnSpc>
-                <a:spcPct val="120000"/>
-              </a:lnSpc>
-              <a:spcAft>
-                <a:spcPts val="0"/>
-              </a:spcAft>
-              <a:buFont typeface="Wingdings" pitchFamily="2" charset="2"/>
-              <a:buChar char="v"/>
-            </a:pPr>
-            <a:endParaRPr lang="de-DE" sz="4400" dirty="0" smtClean="0"/>
-          </a:p>
-          <a:p>
-            <a:pPr marL="571500" indent="-571500">
-              <a:lnSpc>
-                <a:spcPct val="120000"/>
-              </a:lnSpc>
-              <a:spcAft>
-                <a:spcPts val="0"/>
-              </a:spcAft>
-              <a:buFont typeface="Wingdings" pitchFamily="2" charset="2"/>
-              <a:buChar char="v"/>
-            </a:pPr>
-            <a:r>
-              <a:rPr lang="de-DE" sz="4400" b="1" dirty="0" smtClean="0"/>
-              <a:t> </a:t>
-            </a:r>
-            <a:r>
-              <a:rPr lang="de-DE" sz="4400" dirty="0" smtClean="0"/>
-              <a:t>http://www.gemke-wassertechnik.de/ebay/schlauchpumpe_pb.jpg</a:t>
-            </a:r>
-          </a:p>
-          <a:p>
-            <a:pPr marL="571500" indent="-571500">
-              <a:lnSpc>
-                <a:spcPct val="120000"/>
-              </a:lnSpc>
-              <a:spcAft>
-                <a:spcPts val="0"/>
-              </a:spcAft>
-              <a:buFont typeface="Wingdings" pitchFamily="2" charset="2"/>
-              <a:buChar char="v"/>
-            </a:pPr>
-            <a:endParaRPr lang="de-DE" sz="4400" dirty="0" smtClean="0"/>
-          </a:p>
-          <a:p>
-            <a:pPr marL="571500" indent="-571500">
-              <a:lnSpc>
-                <a:spcPct val="120000"/>
-              </a:lnSpc>
-              <a:spcAft>
-                <a:spcPts val="0"/>
-              </a:spcAft>
-              <a:buFont typeface="Wingdings" pitchFamily="2" charset="2"/>
-              <a:buChar char="v"/>
-            </a:pPr>
-            <a:r>
-              <a:rPr lang="de-DE" sz="4400" b="1" dirty="0" smtClean="0"/>
-              <a:t> </a:t>
-            </a:r>
-            <a:r>
-              <a:rPr lang="de-DE" sz="4400" dirty="0" smtClean="0"/>
-              <a:t>http://www.pua24.net/admin/ImageServer.php?ID=88971@pi&amp;width=391&amp;height=300</a:t>
-            </a:r>
-          </a:p>
-          <a:p>
-            <a:pPr marL="571500" indent="-571500">
-              <a:lnSpc>
-                <a:spcPct val="120000"/>
-              </a:lnSpc>
-              <a:spcAft>
-                <a:spcPts val="0"/>
-              </a:spcAft>
-              <a:buFont typeface="Wingdings" pitchFamily="2" charset="2"/>
-              <a:buChar char="v"/>
-            </a:pPr>
-            <a:endParaRPr lang="de-DE" sz="4400" dirty="0" smtClean="0"/>
-          </a:p>
-          <a:p>
-            <a:pPr marL="571500" indent="-571500">
-              <a:lnSpc>
-                <a:spcPct val="120000"/>
-              </a:lnSpc>
-              <a:spcAft>
-                <a:spcPts val="0"/>
-              </a:spcAft>
-              <a:buFont typeface="Wingdings" pitchFamily="2" charset="2"/>
-              <a:buChar char="v"/>
-            </a:pPr>
-            <a:r>
-              <a:rPr lang="de-DE" sz="4400" b="1" dirty="0" smtClean="0"/>
-              <a:t> </a:t>
-            </a:r>
-            <a:r>
-              <a:rPr lang="de-DE" sz="4400" dirty="0" smtClean="0"/>
-              <a:t>http://de.wikipedia.org/wiki/Zahnradpumpe</a:t>
-            </a:r>
-          </a:p>
-          <a:p>
-            <a:pPr>
-              <a:lnSpc>
-                <a:spcPct val="120000"/>
-              </a:lnSpc>
-              <a:spcAft>
-                <a:spcPts val="0"/>
-              </a:spcAft>
-            </a:pPr>
-            <a:r>
-              <a:rPr lang="de-DE" sz="4400" dirty="0" smtClean="0"/>
-              <a:t> </a:t>
-            </a:r>
-          </a:p>
-          <a:p>
-            <a:pPr marL="571500" indent="-571500">
-              <a:lnSpc>
-                <a:spcPct val="120000"/>
-              </a:lnSpc>
-              <a:spcAft>
-                <a:spcPts val="0"/>
-              </a:spcAft>
-              <a:buFont typeface="Wingdings" pitchFamily="2" charset="2"/>
-              <a:buChar char="v"/>
-            </a:pPr>
-            <a:r>
-              <a:rPr lang="de-DE" sz="4400" dirty="0" smtClean="0"/>
-              <a:t>Grundoperationen chemischer Verfahrenstechnik </a:t>
-            </a:r>
-            <a:r>
-              <a:rPr lang="de-DE" sz="4400" dirty="0" err="1" smtClean="0"/>
-              <a:t>Willhelm</a:t>
-            </a:r>
-            <a:r>
-              <a:rPr lang="de-DE" sz="4400" dirty="0" smtClean="0"/>
-              <a:t> R.A. </a:t>
-            </a:r>
-            <a:r>
-              <a:rPr lang="de-DE" sz="4400" dirty="0" err="1" smtClean="0"/>
-              <a:t>Vacuk</a:t>
-            </a:r>
-            <a:r>
-              <a:rPr lang="de-DE" sz="4400" dirty="0" smtClean="0"/>
-              <a:t> und Hermann A. Müller 5. Auflage VEB Deutscher     Verlag für Grundstoffindustrie Leipzig</a:t>
-            </a:r>
-          </a:p>
-          <a:p>
-            <a:pPr>
-              <a:lnSpc>
-                <a:spcPct val="120000"/>
-              </a:lnSpc>
-              <a:spcAft>
-                <a:spcPts val="0"/>
-              </a:spcAft>
-            </a:pPr>
-            <a:r>
-              <a:rPr lang="de-DE" sz="4400" dirty="0" smtClean="0"/>
-              <a:t> </a:t>
-            </a:r>
-          </a:p>
-          <a:p>
-            <a:pPr marL="571500" indent="-571500">
-              <a:lnSpc>
-                <a:spcPct val="120000"/>
-              </a:lnSpc>
-              <a:spcAft>
-                <a:spcPts val="0"/>
-              </a:spcAft>
-              <a:buFont typeface="Wingdings" pitchFamily="2" charset="2"/>
-              <a:buChar char="v"/>
-            </a:pPr>
-            <a:r>
-              <a:rPr lang="de-DE" sz="4400" i="1" dirty="0" smtClean="0"/>
-              <a:t>www.fristam.de/cms/upload/download/05d.pdf</a:t>
-            </a:r>
-          </a:p>
-          <a:p>
-            <a:pPr marL="571500" indent="-571500">
-              <a:lnSpc>
-                <a:spcPct val="120000"/>
-              </a:lnSpc>
-              <a:spcAft>
-                <a:spcPts val="0"/>
-              </a:spcAft>
-              <a:buFont typeface="Wingdings" pitchFamily="2" charset="2"/>
-              <a:buChar char="v"/>
-            </a:pPr>
-            <a:endParaRPr lang="de-DE" sz="4400" i="1" dirty="0" smtClean="0"/>
-          </a:p>
-          <a:p>
-            <a:pPr marL="571500" indent="-571500">
-              <a:lnSpc>
-                <a:spcPct val="120000"/>
-              </a:lnSpc>
-              <a:spcAft>
-                <a:spcPts val="0"/>
-              </a:spcAft>
-              <a:buFont typeface="Wingdings" pitchFamily="2" charset="2"/>
-              <a:buChar char="v"/>
-            </a:pPr>
-            <a:r>
-              <a:rPr lang="de-DE" sz="4400" dirty="0" smtClean="0"/>
-              <a:t>http://www.youtube.com/watch?v=49sfIBdAe2o</a:t>
-            </a:r>
           </a:p>
           <a:p>
             <a:endParaRPr lang="de-DE" dirty="0"/>
@@ -8246,18 +8087,18 @@
   <p:clrMapOvr>
     <a:masterClrMapping/>
   </p:clrMapOvr>
-  <mc:AlternateContent xmlns:mc="http://schemas.openxmlformats.org/markup-compatibility/2006">
-    <mc:Choice xmlns:p14="http://schemas.microsoft.com/office/powerpoint/2010/main" Requires="p14">
+  <mc:AlternateContent xmlns:mc="http://schemas.openxmlformats.org/markup-compatibility/2006" xmlns:p14="http://schemas.microsoft.com/office/powerpoint/2010/main">
+    <mc:Choice Requires="p14">
       <p:transition spd="slow" p14:dur="2000"/>
     </mc:Choice>
-    <mc:Fallback>
+    <mc:Fallback xmlns="">
       <p:transition xmlns:p14="http://schemas.microsoft.com/office/powerpoint/2010/main" spd="slow"/>
     </mc:Fallback>
   </mc:AlternateContent>
   <p:timing>
     <p:tnLst>
       <p:par>
-        <p:cTn xmlns:p14="http://schemas.microsoft.com/office/powerpoint/2010/main" id="1" dur="indefinite" restart="never" nodeType="tmRoot"/>
+        <p:cTn id="1" dur="indefinite" restart="never" nodeType="tmRoot"/>
       </p:par>
     </p:tnLst>
   </p:timing>
@@ -8477,7 +8318,7 @@
   <p:timing>
     <p:tnLst>
       <p:par>
-        <p:cTn xmlns:p14="http://schemas.microsoft.com/office/powerpoint/2010/main" id="1" dur="indefinite" restart="never" nodeType="tmRoot"/>
+        <p:cTn id="1" dur="indefinite" restart="never" nodeType="tmRoot"/>
       </p:par>
     </p:tnLst>
   </p:timing>
@@ -8501,6 +8342,47 @@
           <a:chExt cx="0" cy="0"/>
         </a:xfrm>
       </p:grpSpPr>
+      <p:pic>
+        <p:nvPicPr>
+          <p:cNvPr id="1026" name="Picture 2" descr="C:\Users\MrSinister\Desktop\Fruktose Glukose.jpg"/>
+          <p:cNvPicPr>
+            <a:picLocks noChangeAspect="1" noChangeArrowheads="1"/>
+          </p:cNvPicPr>
+          <p:nvPr/>
+        </p:nvPicPr>
+        <p:blipFill>
+          <a:blip r:embed="rId2">
+            <a:extLst>
+              <a:ext uri="{28A0092B-C50C-407E-A947-70E740481C1C}">
+                <a14:useLocalDpi xmlns:a14="http://schemas.microsoft.com/office/drawing/2010/main" val="0"/>
+              </a:ext>
+            </a:extLst>
+          </a:blip>
+          <a:srcRect/>
+          <a:stretch>
+            <a:fillRect/>
+          </a:stretch>
+        </p:blipFill>
+        <p:spPr bwMode="auto">
+          <a:xfrm>
+            <a:off x="1086878" y="2428873"/>
+            <a:ext cx="7030009" cy="3397837"/>
+          </a:xfrm>
+          <a:prstGeom prst="rect">
+            <a:avLst/>
+          </a:prstGeom>
+          <a:noFill/>
+          <a:extLst>
+            <a:ext uri="{909E8E84-426E-40DD-AFC4-6F175D3DCCD1}">
+              <a14:hiddenFill xmlns:a14="http://schemas.microsoft.com/office/drawing/2010/main">
+                <a:solidFill>
+                  <a:srgbClr val="FFFFFF"/>
+                </a:solidFill>
+              </a14:hiddenFill>
+            </a:ext>
+          </a:extLst>
+        </p:spPr>
+      </p:pic>
       <p:sp>
         <p:nvSpPr>
           <p:cNvPr id="6" name="Inhaltsplatzhalter 5"/>
@@ -8806,6 +8688,212 @@
           </a:p>
         </p:txBody>
       </p:sp>
+      <p:pic>
+        <p:nvPicPr>
+          <p:cNvPr id="8" name="Picture 8"/>
+          <p:cNvPicPr>
+            <a:picLocks noChangeAspect="1" noChangeArrowheads="1"/>
+          </p:cNvPicPr>
+          <p:nvPr/>
+        </p:nvPicPr>
+        <p:blipFill>
+          <a:blip r:embed="rId3">
+            <a:extLst>
+              <a:ext uri="{28A0092B-C50C-407E-A947-70E740481C1C}">
+                <a14:useLocalDpi xmlns:a14="http://schemas.microsoft.com/office/drawing/2010/main" val="0"/>
+              </a:ext>
+            </a:extLst>
+          </a:blip>
+          <a:srcRect/>
+          <a:stretch>
+            <a:fillRect/>
+          </a:stretch>
+        </p:blipFill>
+        <p:spPr bwMode="auto">
+          <a:xfrm>
+            <a:off x="1854199" y="3340390"/>
+            <a:ext cx="5153894" cy="1574801"/>
+          </a:xfrm>
+          <a:prstGeom prst="rect">
+            <a:avLst/>
+          </a:prstGeom>
+          <a:noFill/>
+          <a:ln>
+            <a:noFill/>
+          </a:ln>
+          <a:effectLst/>
+          <a:extLst>
+            <a:ext uri="{909E8E84-426E-40DD-AFC4-6F175D3DCCD1}">
+              <a14:hiddenFill xmlns:a14="http://schemas.microsoft.com/office/drawing/2010/main">
+                <a:solidFill>
+                  <a:schemeClr val="accent1"/>
+                </a:solidFill>
+              </a14:hiddenFill>
+            </a:ext>
+            <a:ext uri="{91240B29-F687-4F45-9708-019B960494DF}">
+              <a14:hiddenLine xmlns:a14="http://schemas.microsoft.com/office/drawing/2010/main" w="9525">
+                <a:solidFill>
+                  <a:schemeClr val="tx1"/>
+                </a:solidFill>
+                <a:miter lim="800000"/>
+                <a:headEnd/>
+                <a:tailEnd/>
+              </a14:hiddenLine>
+            </a:ext>
+            <a:ext uri="{AF507438-7753-43E0-B8FC-AC1667EBCBE1}">
+              <a14:hiddenEffects xmlns:a14="http://schemas.microsoft.com/office/drawing/2010/main">
+                <a:effectLst>
+                  <a:outerShdw dist="35921" dir="2700000" algn="ctr" rotWithShape="0">
+                    <a:schemeClr val="bg2"/>
+                  </a:outerShdw>
+                </a:effectLst>
+              </a14:hiddenEffects>
+            </a:ext>
+          </a:extLst>
+        </p:spPr>
+      </p:pic>
+      <p:pic>
+        <p:nvPicPr>
+          <p:cNvPr id="1028" name="Picture 4" descr="Strukturformel der Ameisensäure"/>
+          <p:cNvPicPr>
+            <a:picLocks noChangeAspect="1" noChangeArrowheads="1"/>
+          </p:cNvPicPr>
+          <p:nvPr/>
+        </p:nvPicPr>
+        <p:blipFill>
+          <a:blip r:embed="rId4">
+            <a:extLst>
+              <a:ext uri="{28A0092B-C50C-407E-A947-70E740481C1C}">
+                <a14:useLocalDpi xmlns:a14="http://schemas.microsoft.com/office/drawing/2010/main" val="0"/>
+              </a:ext>
+            </a:extLst>
+          </a:blip>
+          <a:srcRect/>
+          <a:stretch>
+            <a:fillRect/>
+          </a:stretch>
+        </p:blipFill>
+        <p:spPr bwMode="auto">
+          <a:xfrm>
+            <a:off x="5249143" y="4550360"/>
+            <a:ext cx="1581150" cy="1276350"/>
+          </a:xfrm>
+          <a:prstGeom prst="rect">
+            <a:avLst/>
+          </a:prstGeom>
+          <a:noFill/>
+          <a:extLst>
+            <a:ext uri="{909E8E84-426E-40DD-AFC4-6F175D3DCCD1}">
+              <a14:hiddenFill xmlns:a14="http://schemas.microsoft.com/office/drawing/2010/main">
+                <a:solidFill>
+                  <a:srgbClr val="FFFFFF"/>
+                </a:solidFill>
+              </a14:hiddenFill>
+            </a:ext>
+          </a:extLst>
+        </p:spPr>
+      </p:pic>
+      <p:pic>
+        <p:nvPicPr>
+          <p:cNvPr id="1029" name="Picture 5" descr="C:\Users\MrSinister\Documents\GitHub\Abschlussprojekt\Bilder\256px-Zitronensäure_-_Citric_acid.svg.png"/>
+          <p:cNvPicPr>
+            <a:picLocks noChangeAspect="1" noChangeArrowheads="1"/>
+          </p:cNvPicPr>
+          <p:nvPr/>
+        </p:nvPicPr>
+        <p:blipFill>
+          <a:blip r:embed="rId5">
+            <a:extLst>
+              <a:ext uri="{28A0092B-C50C-407E-A947-70E740481C1C}">
+                <a14:useLocalDpi xmlns:a14="http://schemas.microsoft.com/office/drawing/2010/main" val="0"/>
+              </a:ext>
+            </a:extLst>
+          </a:blip>
+          <a:srcRect/>
+          <a:stretch>
+            <a:fillRect/>
+          </a:stretch>
+        </p:blipFill>
+        <p:spPr bwMode="auto">
+          <a:xfrm>
+            <a:off x="1086878" y="4448465"/>
+            <a:ext cx="3278585" cy="1485609"/>
+          </a:xfrm>
+          <a:prstGeom prst="rect">
+            <a:avLst/>
+          </a:prstGeom>
+          <a:noFill/>
+          <a:extLst>
+            <a:ext uri="{909E8E84-426E-40DD-AFC4-6F175D3DCCD1}">
+              <a14:hiddenFill xmlns:a14="http://schemas.microsoft.com/office/drawing/2010/main">
+                <a:solidFill>
+                  <a:srgbClr val="FFFFFF"/>
+                </a:solidFill>
+              </a14:hiddenFill>
+            </a:ext>
+          </a:extLst>
+        </p:spPr>
+      </p:pic>
+      <p:sp>
+        <p:nvSpPr>
+          <p:cNvPr id="2" name="Textfeld 1"/>
+          <p:cNvSpPr txBox="1"/>
+          <p:nvPr/>
+        </p:nvSpPr>
+        <p:spPr>
+          <a:xfrm>
+            <a:off x="5106551" y="5826710"/>
+            <a:ext cx="1601913" cy="369332"/>
+          </a:xfrm>
+          <a:prstGeom prst="rect">
+            <a:avLst/>
+          </a:prstGeom>
+          <a:noFill/>
+        </p:spPr>
+        <p:txBody>
+          <a:bodyPr wrap="none" rtlCol="0">
+            <a:spAutoFit/>
+          </a:bodyPr>
+          <a:lstStyle/>
+          <a:p>
+            <a:r>
+              <a:rPr lang="de-DE" dirty="0" err="1" smtClean="0"/>
+              <a:t>Amseisensäure</a:t>
+            </a:r>
+            <a:endParaRPr lang="de-DE" dirty="0"/>
+          </a:p>
+        </p:txBody>
+      </p:sp>
+      <p:sp>
+        <p:nvSpPr>
+          <p:cNvPr id="12" name="Textfeld 11"/>
+          <p:cNvSpPr txBox="1"/>
+          <p:nvPr/>
+        </p:nvSpPr>
+        <p:spPr>
+          <a:xfrm>
+            <a:off x="1864299" y="5826710"/>
+            <a:ext cx="1493999" cy="369332"/>
+          </a:xfrm>
+          <a:prstGeom prst="rect">
+            <a:avLst/>
+          </a:prstGeom>
+          <a:noFill/>
+        </p:spPr>
+        <p:txBody>
+          <a:bodyPr wrap="none" rtlCol="0">
+            <a:spAutoFit/>
+          </a:bodyPr>
+          <a:lstStyle/>
+          <a:p>
+            <a:r>
+              <a:rPr lang="de-DE" dirty="0" smtClean="0"/>
+              <a:t>Zitronensäure</a:t>
+            </a:r>
+            <a:endParaRPr lang="de-DE" dirty="0"/>
+          </a:p>
+        </p:txBody>
+      </p:sp>
     </p:spTree>
     <p:extLst>
       <p:ext uri="{BB962C8B-B14F-4D97-AF65-F5344CB8AC3E}">
@@ -8819,9 +8907,1007 @@
   <p:timing>
     <p:tnLst>
       <p:par>
-        <p:cTn xmlns:p14="http://schemas.microsoft.com/office/powerpoint/2010/main" id="1" dur="indefinite" restart="never" nodeType="tmRoot"/>
+        <p:cTn id="1" dur="indefinite" restart="never" nodeType="tmRoot">
+          <p:childTnLst>
+            <p:seq concurrent="1" nextAc="seek">
+              <p:cTn id="2" dur="indefinite" nodeType="mainSeq">
+                <p:childTnLst>
+                  <p:par>
+                    <p:cTn id="3" fill="hold">
+                      <p:stCondLst>
+                        <p:cond delay="indefinite"/>
+                      </p:stCondLst>
+                      <p:childTnLst>
+                        <p:par>
+                          <p:cTn id="4" fill="hold">
+                            <p:stCondLst>
+                              <p:cond delay="0"/>
+                            </p:stCondLst>
+                            <p:childTnLst>
+                              <p:par>
+                                <p:cTn id="5" presetID="10" presetClass="entr" presetSubtype="0" fill="hold" nodeType="clickEffect">
+                                  <p:stCondLst>
+                                    <p:cond delay="0"/>
+                                  </p:stCondLst>
+                                  <p:childTnLst>
+                                    <p:set>
+                                      <p:cBhvr>
+                                        <p:cTn id="6" dur="1" fill="hold">
+                                          <p:stCondLst>
+                                            <p:cond delay="0"/>
+                                          </p:stCondLst>
+                                        </p:cTn>
+                                        <p:tgtEl>
+                                          <p:spTgt spid="6">
+                                            <p:txEl>
+                                              <p:pRg st="1" end="1"/>
+                                            </p:txEl>
+                                          </p:spTgt>
+                                        </p:tgtEl>
+                                        <p:attrNameLst>
+                                          <p:attrName>style.visibility</p:attrName>
+                                        </p:attrNameLst>
+                                      </p:cBhvr>
+                                      <p:to>
+                                        <p:strVal val="visible"/>
+                                      </p:to>
+                                    </p:set>
+                                    <p:animEffect transition="in" filter="fade">
+                                      <p:cBhvr>
+                                        <p:cTn id="7" dur="500"/>
+                                        <p:tgtEl>
+                                          <p:spTgt spid="6">
+                                            <p:txEl>
+                                              <p:pRg st="1" end="1"/>
+                                            </p:txEl>
+                                          </p:spTgt>
+                                        </p:tgtEl>
+                                      </p:cBhvr>
+                                    </p:animEffect>
+                                  </p:childTnLst>
+                                </p:cTn>
+                              </p:par>
+                              <p:par>
+                                <p:cTn id="8" presetID="10" presetClass="entr" presetSubtype="0" fill="hold" nodeType="withEffect">
+                                  <p:stCondLst>
+                                    <p:cond delay="0"/>
+                                  </p:stCondLst>
+                                  <p:childTnLst>
+                                    <p:set>
+                                      <p:cBhvr>
+                                        <p:cTn id="9" dur="1" fill="hold">
+                                          <p:stCondLst>
+                                            <p:cond delay="0"/>
+                                          </p:stCondLst>
+                                        </p:cTn>
+                                        <p:tgtEl>
+                                          <p:spTgt spid="1026"/>
+                                        </p:tgtEl>
+                                        <p:attrNameLst>
+                                          <p:attrName>style.visibility</p:attrName>
+                                        </p:attrNameLst>
+                                      </p:cBhvr>
+                                      <p:to>
+                                        <p:strVal val="visible"/>
+                                      </p:to>
+                                    </p:set>
+                                    <p:animEffect transition="in" filter="fade">
+                                      <p:cBhvr>
+                                        <p:cTn id="10" dur="500"/>
+                                        <p:tgtEl>
+                                          <p:spTgt spid="1026"/>
+                                        </p:tgtEl>
+                                      </p:cBhvr>
+                                    </p:animEffect>
+                                  </p:childTnLst>
+                                </p:cTn>
+                              </p:par>
+                            </p:childTnLst>
+                          </p:cTn>
+                        </p:par>
+                      </p:childTnLst>
+                    </p:cTn>
+                  </p:par>
+                  <p:par>
+                    <p:cTn id="11" fill="hold">
+                      <p:stCondLst>
+                        <p:cond delay="indefinite"/>
+                      </p:stCondLst>
+                      <p:childTnLst>
+                        <p:par>
+                          <p:cTn id="12" fill="hold">
+                            <p:stCondLst>
+                              <p:cond delay="0"/>
+                            </p:stCondLst>
+                            <p:childTnLst>
+                              <p:par>
+                                <p:cTn id="13" presetID="10" presetClass="entr" presetSubtype="0" fill="hold" nodeType="clickEffect">
+                                  <p:stCondLst>
+                                    <p:cond delay="0"/>
+                                  </p:stCondLst>
+                                  <p:childTnLst>
+                                    <p:set>
+                                      <p:cBhvr>
+                                        <p:cTn id="14" dur="1" fill="hold">
+                                          <p:stCondLst>
+                                            <p:cond delay="0"/>
+                                          </p:stCondLst>
+                                        </p:cTn>
+                                        <p:tgtEl>
+                                          <p:spTgt spid="6">
+                                            <p:txEl>
+                                              <p:pRg st="2" end="2"/>
+                                            </p:txEl>
+                                          </p:spTgt>
+                                        </p:tgtEl>
+                                        <p:attrNameLst>
+                                          <p:attrName>style.visibility</p:attrName>
+                                        </p:attrNameLst>
+                                      </p:cBhvr>
+                                      <p:to>
+                                        <p:strVal val="visible"/>
+                                      </p:to>
+                                    </p:set>
+                                    <p:animEffect transition="in" filter="fade">
+                                      <p:cBhvr>
+                                        <p:cTn id="15" dur="500"/>
+                                        <p:tgtEl>
+                                          <p:spTgt spid="6">
+                                            <p:txEl>
+                                              <p:pRg st="2" end="2"/>
+                                            </p:txEl>
+                                          </p:spTgt>
+                                        </p:tgtEl>
+                                      </p:cBhvr>
+                                    </p:animEffect>
+                                  </p:childTnLst>
+                                </p:cTn>
+                              </p:par>
+                              <p:par>
+                                <p:cTn id="16" presetID="10" presetClass="exit" presetSubtype="0" fill="hold" nodeType="withEffect">
+                                  <p:stCondLst>
+                                    <p:cond delay="0"/>
+                                  </p:stCondLst>
+                                  <p:childTnLst>
+                                    <p:animEffect transition="out" filter="fade">
+                                      <p:cBhvr>
+                                        <p:cTn id="17" dur="500"/>
+                                        <p:tgtEl>
+                                          <p:spTgt spid="1026"/>
+                                        </p:tgtEl>
+                                      </p:cBhvr>
+                                    </p:animEffect>
+                                    <p:set>
+                                      <p:cBhvr>
+                                        <p:cTn id="18" dur="1" fill="hold">
+                                          <p:stCondLst>
+                                            <p:cond delay="499"/>
+                                          </p:stCondLst>
+                                        </p:cTn>
+                                        <p:tgtEl>
+                                          <p:spTgt spid="1026"/>
+                                        </p:tgtEl>
+                                        <p:attrNameLst>
+                                          <p:attrName>style.visibility</p:attrName>
+                                        </p:attrNameLst>
+                                      </p:cBhvr>
+                                      <p:to>
+                                        <p:strVal val="hidden"/>
+                                      </p:to>
+                                    </p:set>
+                                  </p:childTnLst>
+                                </p:cTn>
+                              </p:par>
+                            </p:childTnLst>
+                          </p:cTn>
+                        </p:par>
+                      </p:childTnLst>
+                    </p:cTn>
+                  </p:par>
+                  <p:par>
+                    <p:cTn id="19" fill="hold">
+                      <p:stCondLst>
+                        <p:cond delay="indefinite"/>
+                      </p:stCondLst>
+                      <p:childTnLst>
+                        <p:par>
+                          <p:cTn id="20" fill="hold">
+                            <p:stCondLst>
+                              <p:cond delay="0"/>
+                            </p:stCondLst>
+                            <p:childTnLst>
+                              <p:par>
+                                <p:cTn id="21" presetID="10" presetClass="entr" presetSubtype="0" fill="hold" nodeType="clickEffect">
+                                  <p:stCondLst>
+                                    <p:cond delay="0"/>
+                                  </p:stCondLst>
+                                  <p:childTnLst>
+                                    <p:set>
+                                      <p:cBhvr>
+                                        <p:cTn id="22" dur="1" fill="hold">
+                                          <p:stCondLst>
+                                            <p:cond delay="0"/>
+                                          </p:stCondLst>
+                                        </p:cTn>
+                                        <p:tgtEl>
+                                          <p:spTgt spid="6">
+                                            <p:txEl>
+                                              <p:pRg st="3" end="3"/>
+                                            </p:txEl>
+                                          </p:spTgt>
+                                        </p:tgtEl>
+                                        <p:attrNameLst>
+                                          <p:attrName>style.visibility</p:attrName>
+                                        </p:attrNameLst>
+                                      </p:cBhvr>
+                                      <p:to>
+                                        <p:strVal val="visible"/>
+                                      </p:to>
+                                    </p:set>
+                                    <p:animEffect transition="in" filter="fade">
+                                      <p:cBhvr>
+                                        <p:cTn id="23" dur="500"/>
+                                        <p:tgtEl>
+                                          <p:spTgt spid="6">
+                                            <p:txEl>
+                                              <p:pRg st="3" end="3"/>
+                                            </p:txEl>
+                                          </p:spTgt>
+                                        </p:tgtEl>
+                                      </p:cBhvr>
+                                    </p:animEffect>
+                                  </p:childTnLst>
+                                </p:cTn>
+                              </p:par>
+                            </p:childTnLst>
+                          </p:cTn>
+                        </p:par>
+                      </p:childTnLst>
+                    </p:cTn>
+                  </p:par>
+                  <p:par>
+                    <p:cTn id="24" fill="hold">
+                      <p:stCondLst>
+                        <p:cond delay="indefinite"/>
+                      </p:stCondLst>
+                      <p:childTnLst>
+                        <p:par>
+                          <p:cTn id="25" fill="hold">
+                            <p:stCondLst>
+                              <p:cond delay="0"/>
+                            </p:stCondLst>
+                            <p:childTnLst>
+                              <p:par>
+                                <p:cTn id="26" presetID="10" presetClass="entr" presetSubtype="0" fill="hold" nodeType="clickEffect">
+                                  <p:stCondLst>
+                                    <p:cond delay="0"/>
+                                  </p:stCondLst>
+                                  <p:childTnLst>
+                                    <p:set>
+                                      <p:cBhvr>
+                                        <p:cTn id="27" dur="1" fill="hold">
+                                          <p:stCondLst>
+                                            <p:cond delay="0"/>
+                                          </p:stCondLst>
+                                        </p:cTn>
+                                        <p:tgtEl>
+                                          <p:spTgt spid="6">
+                                            <p:txEl>
+                                              <p:pRg st="4" end="4"/>
+                                            </p:txEl>
+                                          </p:spTgt>
+                                        </p:tgtEl>
+                                        <p:attrNameLst>
+                                          <p:attrName>style.visibility</p:attrName>
+                                        </p:attrNameLst>
+                                      </p:cBhvr>
+                                      <p:to>
+                                        <p:strVal val="visible"/>
+                                      </p:to>
+                                    </p:set>
+                                    <p:animEffect transition="in" filter="fade">
+                                      <p:cBhvr>
+                                        <p:cTn id="28" dur="500"/>
+                                        <p:tgtEl>
+                                          <p:spTgt spid="6">
+                                            <p:txEl>
+                                              <p:pRg st="4" end="4"/>
+                                            </p:txEl>
+                                          </p:spTgt>
+                                        </p:tgtEl>
+                                      </p:cBhvr>
+                                    </p:animEffect>
+                                  </p:childTnLst>
+                                </p:cTn>
+                              </p:par>
+                              <p:par>
+                                <p:cTn id="29" presetID="10" presetClass="entr" presetSubtype="0" fill="hold" nodeType="withEffect">
+                                  <p:stCondLst>
+                                    <p:cond delay="0"/>
+                                  </p:stCondLst>
+                                  <p:childTnLst>
+                                    <p:set>
+                                      <p:cBhvr>
+                                        <p:cTn id="30" dur="1" fill="hold">
+                                          <p:stCondLst>
+                                            <p:cond delay="0"/>
+                                          </p:stCondLst>
+                                        </p:cTn>
+                                        <p:tgtEl>
+                                          <p:spTgt spid="8"/>
+                                        </p:tgtEl>
+                                        <p:attrNameLst>
+                                          <p:attrName>style.visibility</p:attrName>
+                                        </p:attrNameLst>
+                                      </p:cBhvr>
+                                      <p:to>
+                                        <p:strVal val="visible"/>
+                                      </p:to>
+                                    </p:set>
+                                    <p:animEffect transition="in" filter="fade">
+                                      <p:cBhvr>
+                                        <p:cTn id="31" dur="500"/>
+                                        <p:tgtEl>
+                                          <p:spTgt spid="8"/>
+                                        </p:tgtEl>
+                                      </p:cBhvr>
+                                    </p:animEffect>
+                                  </p:childTnLst>
+                                </p:cTn>
+                              </p:par>
+                            </p:childTnLst>
+                          </p:cTn>
+                        </p:par>
+                      </p:childTnLst>
+                    </p:cTn>
+                  </p:par>
+                  <p:par>
+                    <p:cTn id="32" fill="hold">
+                      <p:stCondLst>
+                        <p:cond delay="indefinite"/>
+                      </p:stCondLst>
+                      <p:childTnLst>
+                        <p:par>
+                          <p:cTn id="33" fill="hold">
+                            <p:stCondLst>
+                              <p:cond delay="0"/>
+                            </p:stCondLst>
+                            <p:childTnLst>
+                              <p:par>
+                                <p:cTn id="34" presetID="10" presetClass="entr" presetSubtype="0" fill="hold" nodeType="clickEffect">
+                                  <p:stCondLst>
+                                    <p:cond delay="0"/>
+                                  </p:stCondLst>
+                                  <p:childTnLst>
+                                    <p:set>
+                                      <p:cBhvr>
+                                        <p:cTn id="35" dur="1" fill="hold">
+                                          <p:stCondLst>
+                                            <p:cond delay="0"/>
+                                          </p:stCondLst>
+                                        </p:cTn>
+                                        <p:tgtEl>
+                                          <p:spTgt spid="6">
+                                            <p:txEl>
+                                              <p:pRg st="5" end="5"/>
+                                            </p:txEl>
+                                          </p:spTgt>
+                                        </p:tgtEl>
+                                        <p:attrNameLst>
+                                          <p:attrName>style.visibility</p:attrName>
+                                        </p:attrNameLst>
+                                      </p:cBhvr>
+                                      <p:to>
+                                        <p:strVal val="visible"/>
+                                      </p:to>
+                                    </p:set>
+                                    <p:animEffect transition="in" filter="fade">
+                                      <p:cBhvr>
+                                        <p:cTn id="36" dur="500"/>
+                                        <p:tgtEl>
+                                          <p:spTgt spid="6">
+                                            <p:txEl>
+                                              <p:pRg st="5" end="5"/>
+                                            </p:txEl>
+                                          </p:spTgt>
+                                        </p:tgtEl>
+                                      </p:cBhvr>
+                                    </p:animEffect>
+                                  </p:childTnLst>
+                                </p:cTn>
+                              </p:par>
+                              <p:par>
+                                <p:cTn id="37" presetID="10" presetClass="exit" presetSubtype="0" fill="hold" nodeType="withEffect">
+                                  <p:stCondLst>
+                                    <p:cond delay="0"/>
+                                  </p:stCondLst>
+                                  <p:childTnLst>
+                                    <p:animEffect transition="out" filter="fade">
+                                      <p:cBhvr>
+                                        <p:cTn id="38" dur="500"/>
+                                        <p:tgtEl>
+                                          <p:spTgt spid="8"/>
+                                        </p:tgtEl>
+                                      </p:cBhvr>
+                                    </p:animEffect>
+                                    <p:set>
+                                      <p:cBhvr>
+                                        <p:cTn id="39" dur="1" fill="hold">
+                                          <p:stCondLst>
+                                            <p:cond delay="499"/>
+                                          </p:stCondLst>
+                                        </p:cTn>
+                                        <p:tgtEl>
+                                          <p:spTgt spid="8"/>
+                                        </p:tgtEl>
+                                        <p:attrNameLst>
+                                          <p:attrName>style.visibility</p:attrName>
+                                        </p:attrNameLst>
+                                      </p:cBhvr>
+                                      <p:to>
+                                        <p:strVal val="hidden"/>
+                                      </p:to>
+                                    </p:set>
+                                  </p:childTnLst>
+                                </p:cTn>
+                              </p:par>
+                            </p:childTnLst>
+                          </p:cTn>
+                        </p:par>
+                      </p:childTnLst>
+                    </p:cTn>
+                  </p:par>
+                  <p:par>
+                    <p:cTn id="40" fill="hold">
+                      <p:stCondLst>
+                        <p:cond delay="indefinite"/>
+                      </p:stCondLst>
+                      <p:childTnLst>
+                        <p:par>
+                          <p:cTn id="41" fill="hold">
+                            <p:stCondLst>
+                              <p:cond delay="0"/>
+                            </p:stCondLst>
+                            <p:childTnLst>
+                              <p:par>
+                                <p:cTn id="42" presetID="10" presetClass="entr" presetSubtype="0" fill="hold" nodeType="clickEffect">
+                                  <p:stCondLst>
+                                    <p:cond delay="0"/>
+                                  </p:stCondLst>
+                                  <p:childTnLst>
+                                    <p:set>
+                                      <p:cBhvr>
+                                        <p:cTn id="43" dur="1" fill="hold">
+                                          <p:stCondLst>
+                                            <p:cond delay="0"/>
+                                          </p:stCondLst>
+                                        </p:cTn>
+                                        <p:tgtEl>
+                                          <p:spTgt spid="6">
+                                            <p:txEl>
+                                              <p:pRg st="6" end="6"/>
+                                            </p:txEl>
+                                          </p:spTgt>
+                                        </p:tgtEl>
+                                        <p:attrNameLst>
+                                          <p:attrName>style.visibility</p:attrName>
+                                        </p:attrNameLst>
+                                      </p:cBhvr>
+                                      <p:to>
+                                        <p:strVal val="visible"/>
+                                      </p:to>
+                                    </p:set>
+                                    <p:animEffect transition="in" filter="fade">
+                                      <p:cBhvr>
+                                        <p:cTn id="44" dur="500"/>
+                                        <p:tgtEl>
+                                          <p:spTgt spid="6">
+                                            <p:txEl>
+                                              <p:pRg st="6" end="6"/>
+                                            </p:txEl>
+                                          </p:spTgt>
+                                        </p:tgtEl>
+                                      </p:cBhvr>
+                                    </p:animEffect>
+                                  </p:childTnLst>
+                                </p:cTn>
+                              </p:par>
+                              <p:par>
+                                <p:cTn id="45" presetID="10" presetClass="entr" presetSubtype="0" fill="hold" grpId="0" nodeType="withEffect">
+                                  <p:stCondLst>
+                                    <p:cond delay="0"/>
+                                  </p:stCondLst>
+                                  <p:childTnLst>
+                                    <p:set>
+                                      <p:cBhvr>
+                                        <p:cTn id="46" dur="1" fill="hold">
+                                          <p:stCondLst>
+                                            <p:cond delay="0"/>
+                                          </p:stCondLst>
+                                        </p:cTn>
+                                        <p:tgtEl>
+                                          <p:spTgt spid="12"/>
+                                        </p:tgtEl>
+                                        <p:attrNameLst>
+                                          <p:attrName>style.visibility</p:attrName>
+                                        </p:attrNameLst>
+                                      </p:cBhvr>
+                                      <p:to>
+                                        <p:strVal val="visible"/>
+                                      </p:to>
+                                    </p:set>
+                                    <p:animEffect transition="in" filter="fade">
+                                      <p:cBhvr>
+                                        <p:cTn id="47" dur="500"/>
+                                        <p:tgtEl>
+                                          <p:spTgt spid="12"/>
+                                        </p:tgtEl>
+                                      </p:cBhvr>
+                                    </p:animEffect>
+                                  </p:childTnLst>
+                                </p:cTn>
+                              </p:par>
+                              <p:par>
+                                <p:cTn id="48" presetID="10" presetClass="entr" presetSubtype="0" fill="hold" grpId="0" nodeType="withEffect">
+                                  <p:stCondLst>
+                                    <p:cond delay="0"/>
+                                  </p:stCondLst>
+                                  <p:childTnLst>
+                                    <p:set>
+                                      <p:cBhvr>
+                                        <p:cTn id="49" dur="1" fill="hold">
+                                          <p:stCondLst>
+                                            <p:cond delay="0"/>
+                                          </p:stCondLst>
+                                        </p:cTn>
+                                        <p:tgtEl>
+                                          <p:spTgt spid="2"/>
+                                        </p:tgtEl>
+                                        <p:attrNameLst>
+                                          <p:attrName>style.visibility</p:attrName>
+                                        </p:attrNameLst>
+                                      </p:cBhvr>
+                                      <p:to>
+                                        <p:strVal val="visible"/>
+                                      </p:to>
+                                    </p:set>
+                                    <p:animEffect transition="in" filter="fade">
+                                      <p:cBhvr>
+                                        <p:cTn id="50" dur="500"/>
+                                        <p:tgtEl>
+                                          <p:spTgt spid="2"/>
+                                        </p:tgtEl>
+                                      </p:cBhvr>
+                                    </p:animEffect>
+                                  </p:childTnLst>
+                                </p:cTn>
+                              </p:par>
+                              <p:par>
+                                <p:cTn id="51" presetID="10" presetClass="entr" presetSubtype="0" fill="hold" nodeType="withEffect">
+                                  <p:stCondLst>
+                                    <p:cond delay="0"/>
+                                  </p:stCondLst>
+                                  <p:childTnLst>
+                                    <p:set>
+                                      <p:cBhvr>
+                                        <p:cTn id="52" dur="1" fill="hold">
+                                          <p:stCondLst>
+                                            <p:cond delay="0"/>
+                                          </p:stCondLst>
+                                        </p:cTn>
+                                        <p:tgtEl>
+                                          <p:spTgt spid="1028"/>
+                                        </p:tgtEl>
+                                        <p:attrNameLst>
+                                          <p:attrName>style.visibility</p:attrName>
+                                        </p:attrNameLst>
+                                      </p:cBhvr>
+                                      <p:to>
+                                        <p:strVal val="visible"/>
+                                      </p:to>
+                                    </p:set>
+                                    <p:animEffect transition="in" filter="fade">
+                                      <p:cBhvr>
+                                        <p:cTn id="53" dur="500"/>
+                                        <p:tgtEl>
+                                          <p:spTgt spid="1028"/>
+                                        </p:tgtEl>
+                                      </p:cBhvr>
+                                    </p:animEffect>
+                                  </p:childTnLst>
+                                </p:cTn>
+                              </p:par>
+                              <p:par>
+                                <p:cTn id="54" presetID="10" presetClass="entr" presetSubtype="0" fill="hold" nodeType="withEffect">
+                                  <p:stCondLst>
+                                    <p:cond delay="0"/>
+                                  </p:stCondLst>
+                                  <p:childTnLst>
+                                    <p:set>
+                                      <p:cBhvr>
+                                        <p:cTn id="55" dur="1" fill="hold">
+                                          <p:stCondLst>
+                                            <p:cond delay="0"/>
+                                          </p:stCondLst>
+                                        </p:cTn>
+                                        <p:tgtEl>
+                                          <p:spTgt spid="1029"/>
+                                        </p:tgtEl>
+                                        <p:attrNameLst>
+                                          <p:attrName>style.visibility</p:attrName>
+                                        </p:attrNameLst>
+                                      </p:cBhvr>
+                                      <p:to>
+                                        <p:strVal val="visible"/>
+                                      </p:to>
+                                    </p:set>
+                                    <p:animEffect transition="in" filter="fade">
+                                      <p:cBhvr>
+                                        <p:cTn id="56" dur="500"/>
+                                        <p:tgtEl>
+                                          <p:spTgt spid="1029"/>
+                                        </p:tgtEl>
+                                      </p:cBhvr>
+                                    </p:animEffect>
+                                  </p:childTnLst>
+                                </p:cTn>
+                              </p:par>
+                            </p:childTnLst>
+                          </p:cTn>
+                        </p:par>
+                      </p:childTnLst>
+                    </p:cTn>
+                  </p:par>
+                  <p:par>
+                    <p:cTn id="57" fill="hold">
+                      <p:stCondLst>
+                        <p:cond delay="indefinite"/>
+                      </p:stCondLst>
+                      <p:childTnLst>
+                        <p:par>
+                          <p:cTn id="58" fill="hold">
+                            <p:stCondLst>
+                              <p:cond delay="0"/>
+                            </p:stCondLst>
+                            <p:childTnLst>
+                              <p:par>
+                                <p:cTn id="59" presetID="10" presetClass="entr" presetSubtype="0" fill="hold" nodeType="clickEffect">
+                                  <p:stCondLst>
+                                    <p:cond delay="0"/>
+                                  </p:stCondLst>
+                                  <p:childTnLst>
+                                    <p:set>
+                                      <p:cBhvr>
+                                        <p:cTn id="60" dur="1" fill="hold">
+                                          <p:stCondLst>
+                                            <p:cond delay="0"/>
+                                          </p:stCondLst>
+                                        </p:cTn>
+                                        <p:tgtEl>
+                                          <p:spTgt spid="6">
+                                            <p:txEl>
+                                              <p:pRg st="7" end="7"/>
+                                            </p:txEl>
+                                          </p:spTgt>
+                                        </p:tgtEl>
+                                        <p:attrNameLst>
+                                          <p:attrName>style.visibility</p:attrName>
+                                        </p:attrNameLst>
+                                      </p:cBhvr>
+                                      <p:to>
+                                        <p:strVal val="visible"/>
+                                      </p:to>
+                                    </p:set>
+                                    <p:animEffect transition="in" filter="fade">
+                                      <p:cBhvr>
+                                        <p:cTn id="61" dur="500"/>
+                                        <p:tgtEl>
+                                          <p:spTgt spid="6">
+                                            <p:txEl>
+                                              <p:pRg st="7" end="7"/>
+                                            </p:txEl>
+                                          </p:spTgt>
+                                        </p:tgtEl>
+                                      </p:cBhvr>
+                                    </p:animEffect>
+                                  </p:childTnLst>
+                                </p:cTn>
+                              </p:par>
+                              <p:par>
+                                <p:cTn id="62" presetID="10" presetClass="exit" presetSubtype="0" fill="hold" grpId="1" nodeType="withEffect">
+                                  <p:stCondLst>
+                                    <p:cond delay="0"/>
+                                  </p:stCondLst>
+                                  <p:childTnLst>
+                                    <p:animEffect transition="out" filter="fade">
+                                      <p:cBhvr>
+                                        <p:cTn id="63" dur="500"/>
+                                        <p:tgtEl>
+                                          <p:spTgt spid="12"/>
+                                        </p:tgtEl>
+                                      </p:cBhvr>
+                                    </p:animEffect>
+                                    <p:set>
+                                      <p:cBhvr>
+                                        <p:cTn id="64" dur="1" fill="hold">
+                                          <p:stCondLst>
+                                            <p:cond delay="499"/>
+                                          </p:stCondLst>
+                                        </p:cTn>
+                                        <p:tgtEl>
+                                          <p:spTgt spid="12"/>
+                                        </p:tgtEl>
+                                        <p:attrNameLst>
+                                          <p:attrName>style.visibility</p:attrName>
+                                        </p:attrNameLst>
+                                      </p:cBhvr>
+                                      <p:to>
+                                        <p:strVal val="hidden"/>
+                                      </p:to>
+                                    </p:set>
+                                  </p:childTnLst>
+                                </p:cTn>
+                              </p:par>
+                              <p:par>
+                                <p:cTn id="65" presetID="10" presetClass="exit" presetSubtype="0" fill="hold" grpId="1" nodeType="withEffect">
+                                  <p:stCondLst>
+                                    <p:cond delay="0"/>
+                                  </p:stCondLst>
+                                  <p:childTnLst>
+                                    <p:animEffect transition="out" filter="fade">
+                                      <p:cBhvr>
+                                        <p:cTn id="66" dur="500"/>
+                                        <p:tgtEl>
+                                          <p:spTgt spid="2"/>
+                                        </p:tgtEl>
+                                      </p:cBhvr>
+                                    </p:animEffect>
+                                    <p:set>
+                                      <p:cBhvr>
+                                        <p:cTn id="67" dur="1" fill="hold">
+                                          <p:stCondLst>
+                                            <p:cond delay="499"/>
+                                          </p:stCondLst>
+                                        </p:cTn>
+                                        <p:tgtEl>
+                                          <p:spTgt spid="2"/>
+                                        </p:tgtEl>
+                                        <p:attrNameLst>
+                                          <p:attrName>style.visibility</p:attrName>
+                                        </p:attrNameLst>
+                                      </p:cBhvr>
+                                      <p:to>
+                                        <p:strVal val="hidden"/>
+                                      </p:to>
+                                    </p:set>
+                                  </p:childTnLst>
+                                </p:cTn>
+                              </p:par>
+                              <p:par>
+                                <p:cTn id="68" presetID="10" presetClass="exit" presetSubtype="0" fill="hold" nodeType="withEffect">
+                                  <p:stCondLst>
+                                    <p:cond delay="0"/>
+                                  </p:stCondLst>
+                                  <p:childTnLst>
+                                    <p:animEffect transition="out" filter="fade">
+                                      <p:cBhvr>
+                                        <p:cTn id="69" dur="500"/>
+                                        <p:tgtEl>
+                                          <p:spTgt spid="1028"/>
+                                        </p:tgtEl>
+                                      </p:cBhvr>
+                                    </p:animEffect>
+                                    <p:set>
+                                      <p:cBhvr>
+                                        <p:cTn id="70" dur="1" fill="hold">
+                                          <p:stCondLst>
+                                            <p:cond delay="499"/>
+                                          </p:stCondLst>
+                                        </p:cTn>
+                                        <p:tgtEl>
+                                          <p:spTgt spid="1028"/>
+                                        </p:tgtEl>
+                                        <p:attrNameLst>
+                                          <p:attrName>style.visibility</p:attrName>
+                                        </p:attrNameLst>
+                                      </p:cBhvr>
+                                      <p:to>
+                                        <p:strVal val="hidden"/>
+                                      </p:to>
+                                    </p:set>
+                                  </p:childTnLst>
+                                </p:cTn>
+                              </p:par>
+                              <p:par>
+                                <p:cTn id="71" presetID="10" presetClass="exit" presetSubtype="0" fill="hold" nodeType="withEffect">
+                                  <p:stCondLst>
+                                    <p:cond delay="0"/>
+                                  </p:stCondLst>
+                                  <p:childTnLst>
+                                    <p:animEffect transition="out" filter="fade">
+                                      <p:cBhvr>
+                                        <p:cTn id="72" dur="500"/>
+                                        <p:tgtEl>
+                                          <p:spTgt spid="1029"/>
+                                        </p:tgtEl>
+                                      </p:cBhvr>
+                                    </p:animEffect>
+                                    <p:set>
+                                      <p:cBhvr>
+                                        <p:cTn id="73" dur="1" fill="hold">
+                                          <p:stCondLst>
+                                            <p:cond delay="499"/>
+                                          </p:stCondLst>
+                                        </p:cTn>
+                                        <p:tgtEl>
+                                          <p:spTgt spid="1029"/>
+                                        </p:tgtEl>
+                                        <p:attrNameLst>
+                                          <p:attrName>style.visibility</p:attrName>
+                                        </p:attrNameLst>
+                                      </p:cBhvr>
+                                      <p:to>
+                                        <p:strVal val="hidden"/>
+                                      </p:to>
+                                    </p:set>
+                                  </p:childTnLst>
+                                </p:cTn>
+                              </p:par>
+                            </p:childTnLst>
+                          </p:cTn>
+                        </p:par>
+                      </p:childTnLst>
+                    </p:cTn>
+                  </p:par>
+                  <p:par>
+                    <p:cTn id="74" fill="hold">
+                      <p:stCondLst>
+                        <p:cond delay="indefinite"/>
+                      </p:stCondLst>
+                      <p:childTnLst>
+                        <p:par>
+                          <p:cTn id="75" fill="hold">
+                            <p:stCondLst>
+                              <p:cond delay="0"/>
+                            </p:stCondLst>
+                            <p:childTnLst>
+                              <p:par>
+                                <p:cTn id="76" presetID="10" presetClass="entr" presetSubtype="0" fill="hold" nodeType="clickEffect">
+                                  <p:stCondLst>
+                                    <p:cond delay="0"/>
+                                  </p:stCondLst>
+                                  <p:childTnLst>
+                                    <p:set>
+                                      <p:cBhvr>
+                                        <p:cTn id="77" dur="1" fill="hold">
+                                          <p:stCondLst>
+                                            <p:cond delay="0"/>
+                                          </p:stCondLst>
+                                        </p:cTn>
+                                        <p:tgtEl>
+                                          <p:spTgt spid="6">
+                                            <p:txEl>
+                                              <p:pRg st="8" end="8"/>
+                                            </p:txEl>
+                                          </p:spTgt>
+                                        </p:tgtEl>
+                                        <p:attrNameLst>
+                                          <p:attrName>style.visibility</p:attrName>
+                                        </p:attrNameLst>
+                                      </p:cBhvr>
+                                      <p:to>
+                                        <p:strVal val="visible"/>
+                                      </p:to>
+                                    </p:set>
+                                    <p:animEffect transition="in" filter="fade">
+                                      <p:cBhvr>
+                                        <p:cTn id="78" dur="500"/>
+                                        <p:tgtEl>
+                                          <p:spTgt spid="6">
+                                            <p:txEl>
+                                              <p:pRg st="8" end="8"/>
+                                            </p:txEl>
+                                          </p:spTgt>
+                                        </p:tgtEl>
+                                      </p:cBhvr>
+                                    </p:animEffect>
+                                  </p:childTnLst>
+                                </p:cTn>
+                              </p:par>
+                            </p:childTnLst>
+                          </p:cTn>
+                        </p:par>
+                      </p:childTnLst>
+                    </p:cTn>
+                  </p:par>
+                  <p:par>
+                    <p:cTn id="79" fill="hold">
+                      <p:stCondLst>
+                        <p:cond delay="indefinite"/>
+                      </p:stCondLst>
+                      <p:childTnLst>
+                        <p:par>
+                          <p:cTn id="80" fill="hold">
+                            <p:stCondLst>
+                              <p:cond delay="0"/>
+                            </p:stCondLst>
+                            <p:childTnLst>
+                              <p:par>
+                                <p:cTn id="81" presetID="10" presetClass="entr" presetSubtype="0" fill="hold" nodeType="clickEffect">
+                                  <p:stCondLst>
+                                    <p:cond delay="0"/>
+                                  </p:stCondLst>
+                                  <p:childTnLst>
+                                    <p:set>
+                                      <p:cBhvr>
+                                        <p:cTn id="82" dur="1" fill="hold">
+                                          <p:stCondLst>
+                                            <p:cond delay="0"/>
+                                          </p:stCondLst>
+                                        </p:cTn>
+                                        <p:tgtEl>
+                                          <p:spTgt spid="6">
+                                            <p:txEl>
+                                              <p:pRg st="9" end="9"/>
+                                            </p:txEl>
+                                          </p:spTgt>
+                                        </p:tgtEl>
+                                        <p:attrNameLst>
+                                          <p:attrName>style.visibility</p:attrName>
+                                        </p:attrNameLst>
+                                      </p:cBhvr>
+                                      <p:to>
+                                        <p:strVal val="visible"/>
+                                      </p:to>
+                                    </p:set>
+                                    <p:animEffect transition="in" filter="fade">
+                                      <p:cBhvr>
+                                        <p:cTn id="83" dur="500"/>
+                                        <p:tgtEl>
+                                          <p:spTgt spid="6">
+                                            <p:txEl>
+                                              <p:pRg st="9" end="9"/>
+                                            </p:txEl>
+                                          </p:spTgt>
+                                        </p:tgtEl>
+                                      </p:cBhvr>
+                                    </p:animEffect>
+                                  </p:childTnLst>
+                                </p:cTn>
+                              </p:par>
+                            </p:childTnLst>
+                          </p:cTn>
+                        </p:par>
+                      </p:childTnLst>
+                    </p:cTn>
+                  </p:par>
+                </p:childTnLst>
+              </p:cTn>
+              <p:prevCondLst>
+                <p:cond evt="onPrev" delay="0">
+                  <p:tgtEl>
+                    <p:sldTgt/>
+                  </p:tgtEl>
+                </p:cond>
+              </p:prevCondLst>
+              <p:nextCondLst>
+                <p:cond evt="onNext" delay="0">
+                  <p:tgtEl>
+                    <p:sldTgt/>
+                  </p:tgtEl>
+                </p:cond>
+              </p:nextCondLst>
+            </p:seq>
+          </p:childTnLst>
+        </p:cTn>
       </p:par>
     </p:tnLst>
+    <p:bldLst>
+      <p:bldP spid="2" grpId="0"/>
+      <p:bldP spid="2" grpId="1"/>
+      <p:bldP spid="12" grpId="0"/>
+      <p:bldP spid="12" grpId="1"/>
+    </p:bldLst>
   </p:timing>
 </p:sld>
 </file>
@@ -8898,11 +9984,7 @@
           <a:p>
             <a:r>
               <a:rPr lang="de-DE" sz="3200" dirty="0" smtClean="0"/>
-              <a:t>Entstehung </a:t>
-            </a:r>
-            <a:r>
-              <a:rPr lang="de-DE" sz="3200" dirty="0" smtClean="0"/>
-              <a:t>von HMF</a:t>
+              <a:t>Entstehung von HMF</a:t>
             </a:r>
             <a:endParaRPr lang="en-US" sz="3200" dirty="0">
               <a:solidFill>
@@ -8997,7 +10079,7 @@
   <p:timing>
     <p:tnLst>
       <p:par>
-        <p:cTn xmlns:p14="http://schemas.microsoft.com/office/powerpoint/2010/main" id="1" dur="indefinite" restart="never" nodeType="tmRoot"/>
+        <p:cTn id="1" dur="indefinite" restart="never" nodeType="tmRoot"/>
       </p:par>
     </p:tnLst>
   </p:timing>
@@ -9076,15 +10158,7 @@
           <a:p>
             <a:r>
               <a:rPr lang="de-DE" sz="3200" dirty="0" smtClean="0"/>
-              <a:t>Bedeutung</a:t>
-            </a:r>
-            <a:r>
-              <a:rPr lang="de-DE" sz="3200" dirty="0" smtClean="0"/>
-              <a:t> </a:t>
-            </a:r>
-            <a:r>
-              <a:rPr lang="de-DE" sz="3200" dirty="0" smtClean="0"/>
-              <a:t>von HMF</a:t>
+              <a:t>Bedeutung von HMF</a:t>
             </a:r>
             <a:endParaRPr lang="en-US" sz="3200" dirty="0">
               <a:solidFill>
@@ -9302,7 +10376,7 @@
   <p:timing>
     <p:tnLst>
       <p:par>
-        <p:cTn xmlns:p14="http://schemas.microsoft.com/office/powerpoint/2010/main" id="1" dur="indefinite" restart="never" nodeType="tmRoot"/>
+        <p:cTn id="1" dur="indefinite" restart="never" nodeType="tmRoot"/>
       </p:par>
     </p:tnLst>
   </p:timing>
@@ -9449,7 +10523,7 @@
         </p:nvGraphicFramePr>
         <p:xfrm>
           <a:off x="825500" y="2273300"/>
-          <a:ext cx="7556500" cy="1803399"/>
+          <a:ext cx="7556500" cy="1986280"/>
         </p:xfrm>
         <a:graphic>
           <a:graphicData uri="http://schemas.openxmlformats.org/drawingml/2006/table">
@@ -10299,7 +11373,7 @@
   <p:timing>
     <p:tnLst>
       <p:par>
-        <p:cTn xmlns:p14="http://schemas.microsoft.com/office/powerpoint/2010/main" id="1" dur="indefinite" restart="never" nodeType="tmRoot"/>
+        <p:cTn id="1" dur="indefinite" restart="never" nodeType="tmRoot"/>
       </p:par>
     </p:tnLst>
   </p:timing>
@@ -10477,11 +11551,7 @@
             </a:pPr>
             <a:r>
               <a:rPr lang="de-DE" sz="2400" dirty="0" smtClean="0"/>
-              <a:t>GC / </a:t>
-            </a:r>
-            <a:r>
-              <a:rPr lang="de-DE" sz="2400" dirty="0" smtClean="0"/>
-              <a:t>HPLC</a:t>
+              <a:t>GC / HPLC</a:t>
             </a:r>
           </a:p>
           <a:p>
@@ -10520,7 +11590,7 @@
   <p:timing>
     <p:tnLst>
       <p:par>
-        <p:cTn xmlns:p14="http://schemas.microsoft.com/office/powerpoint/2010/main" id="1" dur="indefinite" restart="never" nodeType="tmRoot"/>
+        <p:cTn id="1" dur="indefinite" restart="never" nodeType="tmRoot"/>
       </p:par>
     </p:tnLst>
   </p:timing>
@@ -10690,7 +11760,7 @@
   <p:timing>
     <p:tnLst>
       <p:par>
-        <p:cTn xmlns:p14="http://schemas.microsoft.com/office/powerpoint/2010/main" id="1" dur="indefinite" restart="never" nodeType="tmRoot"/>
+        <p:cTn id="1" dur="indefinite" restart="never" nodeType="tmRoot"/>
       </p:par>
     </p:tnLst>
   </p:timing>

--- a/Vortrag/Abschlussprojekt.pptx
+++ b/Vortrag/Abschlussprojekt.pptx
@@ -129,6 +129,587 @@
 </p:presentation>
 </file>
 
+<file path=ppt/charts/chart1.xml><?xml version="1.0" encoding="utf-8"?>
+<c:chartSpace xmlns:c="http://schemas.openxmlformats.org/drawingml/2006/chart" xmlns:a="http://schemas.openxmlformats.org/drawingml/2006/main" xmlns:r="http://schemas.openxmlformats.org/officeDocument/2006/relationships">
+  <c:date1904 val="0"/>
+  <c:lang val="de-DE"/>
+  <c:roundedCorners val="0"/>
+  <mc:AlternateContent xmlns:mc="http://schemas.openxmlformats.org/markup-compatibility/2006">
+    <mc:Choice xmlns:c14="http://schemas.microsoft.com/office/drawing/2007/8/2/chart" Requires="c14">
+      <c14:style val="102"/>
+    </mc:Choice>
+    <mc:Fallback>
+      <c:style val="2"/>
+    </mc:Fallback>
+  </mc:AlternateContent>
+  <c:chart>
+    <c:title>
+      <c:tx>
+        <c:rich>
+          <a:bodyPr/>
+          <a:lstStyle/>
+          <a:p>
+            <a:pPr>
+              <a:defRPr/>
+            </a:pPr>
+            <a:r>
+              <a:rPr lang="de-DE"/>
+              <a:t>Abhängigkeit der Extinktion von der Massenkonzentration in mg/L</a:t>
+            </a:r>
+          </a:p>
+        </c:rich>
+      </c:tx>
+      <c:layout>
+        <c:manualLayout>
+          <c:xMode val="edge"/>
+          <c:yMode val="edge"/>
+          <c:x val="0.14541869301491708"/>
+          <c:y val="4.0102961403434133E-2"/>
+        </c:manualLayout>
+      </c:layout>
+      <c:overlay val="1"/>
+    </c:title>
+    <c:autoTitleDeleted val="0"/>
+    <c:plotArea>
+      <c:layout>
+        <c:manualLayout>
+          <c:layoutTarget val="inner"/>
+          <c:xMode val="edge"/>
+          <c:yMode val="edge"/>
+          <c:x val="0.1229890300092346"/>
+          <c:y val="0.13604609729879213"/>
+          <c:w val="0.79397932074194955"/>
+          <c:h val="0.7193003769977524"/>
+        </c:manualLayout>
+      </c:layout>
+      <c:scatterChart>
+        <c:scatterStyle val="lineMarker"/>
+        <c:varyColors val="0"/>
+        <c:ser>
+          <c:idx val="0"/>
+          <c:order val="0"/>
+          <c:spPr>
+            <a:ln w="28575">
+              <a:noFill/>
+            </a:ln>
+          </c:spPr>
+          <c:trendline>
+            <c:trendlineType val="linear"/>
+            <c:dispRSqr val="1"/>
+            <c:dispEq val="1"/>
+            <c:trendlineLbl>
+              <c:layout>
+                <c:manualLayout>
+                  <c:x val="2.6878005532711278E-2"/>
+                  <c:y val="0.28186897416857404"/>
+                </c:manualLayout>
+              </c:layout>
+              <c:numFmt formatCode="General" sourceLinked="0"/>
+            </c:trendlineLbl>
+          </c:trendline>
+          <c:xVal>
+            <c:numRef>
+              <c:f>Tabelle1!$B$2:$B$7</c:f>
+              <c:numCache>
+                <c:formatCode>#,##0.000</c:formatCode>
+                <c:ptCount val="6"/>
+                <c:pt idx="0">
+                  <c:v>1.0040000000000002</c:v>
+                </c:pt>
+                <c:pt idx="1">
+                  <c:v>3.0320000000000005</c:v>
+                </c:pt>
+                <c:pt idx="2">
+                  <c:v>5.0200000000000005</c:v>
+                </c:pt>
+                <c:pt idx="3">
+                  <c:v>10.040000000000001</c:v>
+                </c:pt>
+                <c:pt idx="4">
+                  <c:v>30.32</c:v>
+                </c:pt>
+                <c:pt idx="5">
+                  <c:v>60.64</c:v>
+                </c:pt>
+              </c:numCache>
+            </c:numRef>
+          </c:xVal>
+          <c:yVal>
+            <c:numRef>
+              <c:f>Tabelle1!$C$2:$C$7</c:f>
+              <c:numCache>
+                <c:formatCode>0.0000</c:formatCode>
+                <c:ptCount val="6"/>
+                <c:pt idx="0">
+                  <c:v>0.04</c:v>
+                </c:pt>
+                <c:pt idx="1">
+                  <c:v>0.1353</c:v>
+                </c:pt>
+                <c:pt idx="2">
+                  <c:v>0.16869999999999999</c:v>
+                </c:pt>
+                <c:pt idx="3">
+                  <c:v>0.32140000000000002</c:v>
+                </c:pt>
+                <c:pt idx="4">
+                  <c:v>0.94530000000000003</c:v>
+                </c:pt>
+                <c:pt idx="5">
+                  <c:v>1.8987000000000001</c:v>
+                </c:pt>
+              </c:numCache>
+            </c:numRef>
+          </c:yVal>
+          <c:smooth val="0"/>
+        </c:ser>
+        <c:dLbls>
+          <c:showLegendKey val="0"/>
+          <c:showVal val="0"/>
+          <c:showCatName val="0"/>
+          <c:showSerName val="0"/>
+          <c:showPercent val="0"/>
+          <c:showBubbleSize val="0"/>
+        </c:dLbls>
+        <c:axId val="88979072"/>
+        <c:axId val="88979648"/>
+      </c:scatterChart>
+      <c:valAx>
+        <c:axId val="88979072"/>
+        <c:scaling>
+          <c:orientation val="minMax"/>
+        </c:scaling>
+        <c:delete val="0"/>
+        <c:axPos val="b"/>
+        <c:majorGridlines>
+          <c:spPr>
+            <a:ln>
+              <a:noFill/>
+            </a:ln>
+          </c:spPr>
+        </c:majorGridlines>
+        <c:title>
+          <c:tx>
+            <c:rich>
+              <a:bodyPr/>
+              <a:lstStyle/>
+              <a:p>
+                <a:pPr>
+                  <a:defRPr/>
+                </a:pPr>
+                <a:r>
+                  <a:rPr lang="en-US"/>
+                  <a:t>Massenkonzentration in mg/L --&gt;</a:t>
+                </a:r>
+              </a:p>
+            </c:rich>
+          </c:tx>
+          <c:layout>
+            <c:manualLayout>
+              <c:xMode val="edge"/>
+              <c:yMode val="edge"/>
+              <c:x val="0.34616116700462868"/>
+              <c:y val="0.93355073913763176"/>
+            </c:manualLayout>
+          </c:layout>
+          <c:overlay val="0"/>
+        </c:title>
+        <c:numFmt formatCode="#,##0.000" sourceLinked="1"/>
+        <c:majorTickMark val="in"/>
+        <c:minorTickMark val="none"/>
+        <c:tickLblPos val="nextTo"/>
+        <c:crossAx val="88979648"/>
+        <c:crosses val="autoZero"/>
+        <c:crossBetween val="midCat"/>
+      </c:valAx>
+      <c:valAx>
+        <c:axId val="88979648"/>
+        <c:scaling>
+          <c:orientation val="minMax"/>
+        </c:scaling>
+        <c:delete val="0"/>
+        <c:axPos val="l"/>
+        <c:majorGridlines>
+          <c:spPr>
+            <a:ln>
+              <a:noFill/>
+            </a:ln>
+          </c:spPr>
+        </c:majorGridlines>
+        <c:title>
+          <c:tx>
+            <c:rich>
+              <a:bodyPr rot="-5400000" vert="horz"/>
+              <a:lstStyle/>
+              <a:p>
+                <a:pPr>
+                  <a:defRPr/>
+                </a:pPr>
+                <a:r>
+                  <a:rPr lang="en-US"/>
+                  <a:t>Extinktion --&gt;</a:t>
+                </a:r>
+              </a:p>
+            </c:rich>
+          </c:tx>
+          <c:layout>
+            <c:manualLayout>
+              <c:xMode val="edge"/>
+              <c:yMode val="edge"/>
+              <c:x val="2.4949542141756188E-2"/>
+              <c:y val="0.43070829840459018"/>
+            </c:manualLayout>
+          </c:layout>
+          <c:overlay val="0"/>
+        </c:title>
+        <c:numFmt formatCode="0.0000" sourceLinked="1"/>
+        <c:majorTickMark val="in"/>
+        <c:minorTickMark val="none"/>
+        <c:tickLblPos val="nextTo"/>
+        <c:crossAx val="88979072"/>
+        <c:crosses val="autoZero"/>
+        <c:crossBetween val="midCat"/>
+      </c:valAx>
+    </c:plotArea>
+    <c:plotVisOnly val="1"/>
+    <c:dispBlanksAs val="gap"/>
+    <c:showDLblsOverMax val="0"/>
+  </c:chart>
+  <c:externalData r:id="rId1">
+    <c:autoUpdate val="0"/>
+  </c:externalData>
+</c:chartSpace>
+</file>
+
+<file path=ppt/charts/chart2.xml><?xml version="1.0" encoding="utf-8"?>
+<c:chartSpace xmlns:c="http://schemas.openxmlformats.org/drawingml/2006/chart" xmlns:a="http://schemas.openxmlformats.org/drawingml/2006/main" xmlns:r="http://schemas.openxmlformats.org/officeDocument/2006/relationships">
+  <c:date1904 val="0"/>
+  <c:lang val="de-DE"/>
+  <c:roundedCorners val="0"/>
+  <mc:AlternateContent xmlns:mc="http://schemas.openxmlformats.org/markup-compatibility/2006">
+    <mc:Choice xmlns:c14="http://schemas.microsoft.com/office/drawing/2007/8/2/chart" Requires="c14">
+      <c14:style val="102"/>
+    </mc:Choice>
+    <mc:Fallback>
+      <c:style val="2"/>
+    </mc:Fallback>
+  </mc:AlternateContent>
+  <c:chart>
+    <c:title>
+      <c:layout/>
+      <c:overlay val="0"/>
+    </c:title>
+    <c:autoTitleDeleted val="0"/>
+    <c:plotArea>
+      <c:layout/>
+      <c:scatterChart>
+        <c:scatterStyle val="lineMarker"/>
+        <c:varyColors val="0"/>
+        <c:ser>
+          <c:idx val="0"/>
+          <c:order val="0"/>
+          <c:tx>
+            <c:v>Abhängigkeit der Extinktion vom Massenanteil in mg/kg</c:v>
+          </c:tx>
+          <c:spPr>
+            <a:ln w="28575">
+              <a:noFill/>
+            </a:ln>
+          </c:spPr>
+          <c:dPt>
+            <c:idx val="3"/>
+            <c:marker>
+              <c:spPr>
+                <a:solidFill>
+                  <a:srgbClr val="FF0000"/>
+                </a:solidFill>
+              </c:spPr>
+            </c:marker>
+            <c:bubble3D val="0"/>
+          </c:dPt>
+          <c:trendline>
+            <c:trendlineType val="linear"/>
+            <c:backward val="28"/>
+            <c:dispRSqr val="1"/>
+            <c:dispEq val="1"/>
+            <c:trendlineLbl>
+              <c:layout>
+                <c:manualLayout>
+                  <c:x val="4.2178344907561012E-2"/>
+                  <c:y val="0.26917608345292382"/>
+                </c:manualLayout>
+              </c:layout>
+              <c:tx>
+                <c:rich>
+                  <a:bodyPr/>
+                  <a:lstStyle/>
+                  <a:p>
+                    <a:pPr>
+                      <a:defRPr/>
+                    </a:pPr>
+                    <a:r>
+                      <a:rPr lang="en-US" baseline="0"/>
+                      <a:t>y = 0,0058x + 0,1572
+R² = 0,9988</a:t>
+                    </a:r>
+                    <a:endParaRPr lang="en-US"/>
+                  </a:p>
+                </c:rich>
+              </c:tx>
+              <c:numFmt formatCode="General" sourceLinked="0"/>
+            </c:trendlineLbl>
+          </c:trendline>
+          <c:xVal>
+            <c:numRef>
+              <c:f>Tabelle2!$B$41:$B$44</c:f>
+              <c:numCache>
+                <c:formatCode>General</c:formatCode>
+                <c:ptCount val="4"/>
+                <c:pt idx="0">
+                  <c:v>0</c:v>
+                </c:pt>
+                <c:pt idx="1">
+                  <c:v>47.9</c:v>
+                </c:pt>
+                <c:pt idx="2">
+                  <c:v>73.099999999999994</c:v>
+                </c:pt>
+                <c:pt idx="3" formatCode="0.0">
+                  <c:v>-27.103448275862071</c:v>
+                </c:pt>
+              </c:numCache>
+            </c:numRef>
+          </c:xVal>
+          <c:yVal>
+            <c:numRef>
+              <c:f>Tabelle2!$C$41:$C$44</c:f>
+              <c:numCache>
+                <c:formatCode>General</c:formatCode>
+                <c:ptCount val="4"/>
+                <c:pt idx="0">
+                  <c:v>0.15290000000000001</c:v>
+                </c:pt>
+                <c:pt idx="1">
+                  <c:v>0.44790000000000002</c:v>
+                </c:pt>
+                <c:pt idx="2">
+                  <c:v>0.57340000000000002</c:v>
+                </c:pt>
+                <c:pt idx="3">
+                  <c:v>0</c:v>
+                </c:pt>
+              </c:numCache>
+            </c:numRef>
+          </c:yVal>
+          <c:smooth val="0"/>
+        </c:ser>
+        <c:dLbls>
+          <c:showLegendKey val="0"/>
+          <c:showVal val="0"/>
+          <c:showCatName val="0"/>
+          <c:showSerName val="0"/>
+          <c:showPercent val="0"/>
+          <c:showBubbleSize val="0"/>
+        </c:dLbls>
+        <c:axId val="45516480"/>
+        <c:axId val="77611008"/>
+      </c:scatterChart>
+      <c:valAx>
+        <c:axId val="45516480"/>
+        <c:scaling>
+          <c:orientation val="minMax"/>
+          <c:min val="-30"/>
+        </c:scaling>
+        <c:delete val="0"/>
+        <c:axPos val="b"/>
+        <c:title>
+          <c:tx>
+            <c:rich>
+              <a:bodyPr/>
+              <a:lstStyle/>
+              <a:p>
+                <a:pPr>
+                  <a:defRPr/>
+                </a:pPr>
+                <a:r>
+                  <a:rPr lang="de-DE"/>
+                  <a:t>Massenanteil in mg/kg --&gt;</a:t>
+                </a:r>
+              </a:p>
+            </c:rich>
+          </c:tx>
+          <c:layout/>
+          <c:overlay val="0"/>
+        </c:title>
+        <c:numFmt formatCode="General" sourceLinked="1"/>
+        <c:majorTickMark val="out"/>
+        <c:minorTickMark val="none"/>
+        <c:tickLblPos val="nextTo"/>
+        <c:crossAx val="77611008"/>
+        <c:crosses val="autoZero"/>
+        <c:crossBetween val="midCat"/>
+      </c:valAx>
+      <c:valAx>
+        <c:axId val="77611008"/>
+        <c:scaling>
+          <c:orientation val="minMax"/>
+          <c:max val="0.60000000000000009"/>
+          <c:min val="0"/>
+        </c:scaling>
+        <c:delete val="0"/>
+        <c:axPos val="l"/>
+        <c:title>
+          <c:tx>
+            <c:rich>
+              <a:bodyPr rot="-5400000" vert="horz"/>
+              <a:lstStyle/>
+              <a:p>
+                <a:pPr>
+                  <a:defRPr/>
+                </a:pPr>
+                <a:r>
+                  <a:rPr lang="de-DE"/>
+                  <a:t>Extinktion</a:t>
+                </a:r>
+                <a:r>
+                  <a:rPr lang="de-DE" baseline="0"/>
+                  <a:t> --&gt;</a:t>
+                </a:r>
+                <a:endParaRPr lang="de-DE"/>
+              </a:p>
+            </c:rich>
+          </c:tx>
+          <c:layout/>
+          <c:overlay val="0"/>
+        </c:title>
+        <c:numFmt formatCode="General" sourceLinked="1"/>
+        <c:majorTickMark val="in"/>
+        <c:minorTickMark val="none"/>
+        <c:tickLblPos val="nextTo"/>
+        <c:crossAx val="45516480"/>
+        <c:crosses val="autoZero"/>
+        <c:crossBetween val="midCat"/>
+      </c:valAx>
+    </c:plotArea>
+    <c:plotVisOnly val="1"/>
+    <c:dispBlanksAs val="gap"/>
+    <c:showDLblsOverMax val="0"/>
+  </c:chart>
+  <c:externalData r:id="rId1">
+    <c:autoUpdate val="0"/>
+  </c:externalData>
+  <c:userShapes r:id="rId2"/>
+</c:chartSpace>
+</file>
+
+<file path=ppt/drawings/drawing1.xml><?xml version="1.0" encoding="utf-8"?>
+<c:userShapes xmlns:c="http://schemas.openxmlformats.org/drawingml/2006/chart">
+  <cdr:relSizeAnchor xmlns:cdr="http://schemas.openxmlformats.org/drawingml/2006/chartDrawing">
+    <cdr:from>
+      <cdr:x>0.0565</cdr:x>
+      <cdr:y>0.77537</cdr:y>
+    </cdr:from>
+    <cdr:to>
+      <cdr:x>0.08051</cdr:x>
+      <cdr:y>0.84881</cdr:y>
+    </cdr:to>
+    <cdr:sp macro="" textlink="">
+      <cdr:nvSpPr>
+        <cdr:cNvPr id="3" name="Pfeil nach unten 1"/>
+        <cdr:cNvSpPr/>
+      </cdr:nvSpPr>
+      <cdr:spPr>
+        <a:xfrm xmlns:a="http://schemas.openxmlformats.org/drawingml/2006/main">
+          <a:off x="380986" y="3419437"/>
+          <a:ext cx="161917" cy="323876"/>
+        </a:xfrm>
+        <a:prstGeom xmlns:a="http://schemas.openxmlformats.org/drawingml/2006/main" prst="downArrow">
+          <a:avLst/>
+        </a:prstGeom>
+      </cdr:spPr>
+      <cdr:style>
+        <a:lnRef xmlns:a="http://schemas.openxmlformats.org/drawingml/2006/main" idx="1">
+          <a:schemeClr val="accent2"/>
+        </a:lnRef>
+        <a:fillRef xmlns:a="http://schemas.openxmlformats.org/drawingml/2006/main" idx="3">
+          <a:schemeClr val="accent2"/>
+        </a:fillRef>
+        <a:effectRef xmlns:a="http://schemas.openxmlformats.org/drawingml/2006/main" idx="2">
+          <a:schemeClr val="accent2"/>
+        </a:effectRef>
+        <a:fontRef xmlns:a="http://schemas.openxmlformats.org/drawingml/2006/main" idx="minor">
+          <a:schemeClr val="lt1"/>
+        </a:fontRef>
+      </cdr:style>
+      <cdr:txBody>
+        <a:bodyPr xmlns:a="http://schemas.openxmlformats.org/drawingml/2006/main" vertOverflow="clip"/>
+        <a:lstStyle xmlns:a="http://schemas.openxmlformats.org/drawingml/2006/main"/>
+        <a:p xmlns:a="http://schemas.openxmlformats.org/drawingml/2006/main">
+          <a:endParaRPr lang="de-DE" b="1" cap="none" spc="0">
+            <a:ln w="18000">
+              <a:solidFill>
+                <a:schemeClr val="accent2">
+                  <a:satMod val="140000"/>
+                </a:schemeClr>
+              </a:solidFill>
+              <a:prstDash val="solid"/>
+              <a:miter lim="800000"/>
+            </a:ln>
+            <a:noFill/>
+            <a:effectLst>
+              <a:outerShdw blurRad="25500" dist="23000" dir="7020000" algn="tl">
+                <a:srgbClr val="000000">
+                  <a:alpha val="50000"/>
+                </a:srgbClr>
+              </a:outerShdw>
+            </a:effectLst>
+          </a:endParaRPr>
+        </a:p>
+      </cdr:txBody>
+    </cdr:sp>
+  </cdr:relSizeAnchor>
+  <cdr:relSizeAnchor xmlns:cdr="http://schemas.openxmlformats.org/drawingml/2006/chartDrawing">
+    <cdr:from>
+      <cdr:x>0.01836</cdr:x>
+      <cdr:y>0.69114</cdr:y>
+    </cdr:from>
+    <cdr:to>
+      <cdr:x>0.13277</cdr:x>
+      <cdr:y>0.7581</cdr:y>
+    </cdr:to>
+    <cdr:sp macro="" textlink="">
+      <cdr:nvSpPr>
+        <cdr:cNvPr id="5" name="Textfeld 4"/>
+        <cdr:cNvSpPr txBox="1"/>
+      </cdr:nvSpPr>
+      <cdr:spPr>
+        <a:xfrm xmlns:a="http://schemas.openxmlformats.org/drawingml/2006/main">
+          <a:off x="123825" y="3048000"/>
+          <a:ext cx="771525" cy="295275"/>
+        </a:xfrm>
+        <a:prstGeom xmlns:a="http://schemas.openxmlformats.org/drawingml/2006/main" prst="rect">
+          <a:avLst/>
+        </a:prstGeom>
+      </cdr:spPr>
+      <cdr:txBody>
+        <a:bodyPr xmlns:a="http://schemas.openxmlformats.org/drawingml/2006/main" vertOverflow="clip" wrap="none" rtlCol="0"/>
+        <a:lstStyle xmlns:a="http://schemas.openxmlformats.org/drawingml/2006/main"/>
+        <a:p xmlns:a="http://schemas.openxmlformats.org/drawingml/2006/main">
+          <a:r>
+            <a:rPr lang="de-DE" sz="1100" b="1">
+              <a:solidFill>
+                <a:srgbClr val="FF0000"/>
+              </a:solidFill>
+            </a:rPr>
+            <a:t>27 mg/kg</a:t>
+          </a:r>
+        </a:p>
+      </cdr:txBody>
+    </cdr:sp>
+  </cdr:relSizeAnchor>
+</c:userShapes>
+</file>
+
 <file path=ppt/notesMasters/notesMaster1.xml><?xml version="1.0" encoding="utf-8"?>
 <p:notesMaster xmlns:a="http://schemas.openxmlformats.org/drawingml/2006/main" xmlns:r="http://schemas.openxmlformats.org/officeDocument/2006/relationships" xmlns:p="http://schemas.openxmlformats.org/presentationml/2006/main">
   <p:cSld>
@@ -212,7 +793,7 @@
             <a:fld id="{19491150-8A65-441D-A330-1719206D58D9}" type="datetimeFigureOut">
               <a:rPr lang="en-US" smtClean="0"/>
               <a:pPr/>
-              <a:t>6/13/2015</a:t>
+              <a:t>6/15/2015</a:t>
             </a:fld>
             <a:endParaRPr lang="en-US"/>
           </a:p>
@@ -788,7 +1369,7 @@
             <a:fld id="{EBB374AE-5038-4DCF-B957-FDD1D783926A}" type="datetime1">
               <a:rPr lang="en-US" smtClean="0"/>
               <a:pPr/>
-              <a:t>6/13/2015</a:t>
+              <a:t>6/15/2015</a:t>
             </a:fld>
             <a:endParaRPr lang="en-US"/>
           </a:p>
@@ -856,7 +1437,7 @@
             <a:fld id="{D7DFE6A7-88F1-4FDA-93EA-C252B6CF00C8}" type="datetime1">
               <a:rPr lang="en-US" smtClean="0"/>
               <a:pPr/>
-              <a:t>6/13/2015</a:t>
+              <a:t>6/15/2015</a:t>
             </a:fld>
             <a:endParaRPr lang="en-US"/>
           </a:p>
@@ -1112,7 +1693,7 @@
             <a:fld id="{D01DCC59-108E-49D4-9A65-614F0F29D41F}" type="datetime1">
               <a:rPr lang="en-US" smtClean="0"/>
               <a:pPr/>
-              <a:t>6/13/2015</a:t>
+              <a:t>6/15/2015</a:t>
             </a:fld>
             <a:endParaRPr lang="en-US"/>
           </a:p>
@@ -1351,7 +1932,7 @@
             <a:fld id="{2D8D42EB-78C8-4F19-A512-31C48DB943E6}" type="datetime1">
               <a:rPr lang="en-US" smtClean="0"/>
               <a:pPr/>
-              <a:t>6/13/2015</a:t>
+              <a:t>6/15/2015</a:t>
             </a:fld>
             <a:endParaRPr lang="en-US"/>
           </a:p>
@@ -1583,7 +2164,7 @@
             <a:fld id="{87C8E3B4-E425-4688-9A97-8500629AFD6A}" type="datetime1">
               <a:rPr lang="en-US" smtClean="0"/>
               <a:pPr/>
-              <a:t>6/13/2015</a:t>
+              <a:t>6/15/2015</a:t>
             </a:fld>
             <a:endParaRPr lang="en-US"/>
           </a:p>
@@ -1709,7 +2290,7 @@
             <a:fld id="{2A651CF5-37D4-447B-8928-30C3EC73D95C}" type="datetime1">
               <a:rPr lang="en-US" smtClean="0"/>
               <a:pPr/>
-              <a:t>6/13/2015</a:t>
+              <a:t>6/15/2015</a:t>
             </a:fld>
             <a:endParaRPr lang="en-US"/>
           </a:p>
@@ -1902,7 +2483,7 @@
             <a:fld id="{54BB1E38-78A7-418E-B471-378A836405E4}" type="datetime1">
               <a:rPr lang="en-US" smtClean="0"/>
               <a:pPr/>
-              <a:t>6/13/2015</a:t>
+              <a:t>6/15/2015</a:t>
             </a:fld>
             <a:endParaRPr lang="en-US"/>
           </a:p>
@@ -2088,7 +2669,7 @@
             <a:fld id="{6284725B-EDA3-40A6-8072-BB6433687091}" type="datetime1">
               <a:rPr lang="en-US" smtClean="0"/>
               <a:pPr/>
-              <a:t>6/13/2015</a:t>
+              <a:t>6/15/2015</a:t>
             </a:fld>
             <a:endParaRPr lang="en-US"/>
           </a:p>
@@ -2306,7 +2887,7 @@
             <a:fld id="{4DEC2C5D-655E-4152-859F-3F8319264CD3}" type="datetime1">
               <a:rPr lang="en-US" smtClean="0"/>
               <a:pPr/>
-              <a:t>6/13/2015</a:t>
+              <a:t>6/15/2015</a:t>
             </a:fld>
             <a:endParaRPr lang="en-US"/>
           </a:p>
@@ -2655,7 +3236,7 @@
             <a:fld id="{D58D95B6-6C59-4277-8B48-8BF9EDA32D8E}" type="datetime1">
               <a:rPr lang="en-US" smtClean="0"/>
               <a:pPr/>
-              <a:t>6/13/2015</a:t>
+              <a:t>6/15/2015</a:t>
             </a:fld>
             <a:endParaRPr lang="en-US"/>
           </a:p>
@@ -2873,7 +3454,7 @@
             <a:fld id="{9A805D76-AC07-4CE3-996F-B93C9C507840}" type="datetime1">
               <a:rPr lang="en-US" smtClean="0"/>
               <a:pPr/>
-              <a:t>6/13/2015</a:t>
+              <a:t>6/15/2015</a:t>
             </a:fld>
             <a:endParaRPr lang="en-US"/>
           </a:p>
@@ -3008,7 +3589,7 @@
             <a:fld id="{62F60CE3-0F49-4BB6-A3EC-95CC3D68F124}" type="datetime1">
               <a:rPr lang="en-US" smtClean="0"/>
               <a:pPr/>
-              <a:t>6/13/2015</a:t>
+              <a:t>6/15/2015</a:t>
             </a:fld>
             <a:endParaRPr lang="en-US"/>
           </a:p>
@@ -3285,7 +3866,7 @@
             <a:fld id="{793DFF63-DE46-40A9-88D8-976CB0BE1FD7}" type="datetime1">
               <a:rPr lang="en-US" smtClean="0"/>
               <a:pPr/>
-              <a:t>6/13/2015</a:t>
+              <a:t>6/15/2015</a:t>
             </a:fld>
             <a:endParaRPr lang="en-US"/>
           </a:p>
@@ -5283,25 +5864,31 @@
           </a:p>
         </p:txBody>
       </p:sp>
-      <p:sp>
-        <p:nvSpPr>
-          <p:cNvPr id="11" name="Inhaltsplatzhalter 10"/>
-          <p:cNvSpPr>
-            <a:spLocks noGrp="1"/>
-          </p:cNvSpPr>
+      <p:graphicFrame>
+        <p:nvGraphicFramePr>
+          <p:cNvPr id="12" name="Inhaltsplatzhalter 11"/>
+          <p:cNvGraphicFramePr>
+            <a:graphicFrameLocks noGrp="1"/>
+          </p:cNvGraphicFramePr>
           <p:nvPr>
             <p:ph idx="1"/>
+            <p:extLst>
+              <p:ext uri="{D42A27DB-BD31-4B8C-83A1-F6EECF244321}">
+                <p14:modId xmlns:p14="http://schemas.microsoft.com/office/powerpoint/2010/main" val="4234972025"/>
+              </p:ext>
+            </p:extLst>
           </p:nvPr>
-        </p:nvSpPr>
-        <p:spPr/>
-        <p:txBody>
-          <a:bodyPr/>
-          <a:lstStyle/>
-          <a:p>
-            <a:endParaRPr lang="de-DE" dirty="0"/>
-          </a:p>
-        </p:txBody>
-      </p:sp>
+        </p:nvGraphicFramePr>
+        <p:xfrm>
+          <a:off x="213756" y="1294410"/>
+          <a:ext cx="8692738" cy="4500748"/>
+        </p:xfrm>
+        <a:graphic>
+          <a:graphicData uri="http://schemas.openxmlformats.org/drawingml/2006/chart">
+            <c:chart xmlns:c="http://schemas.openxmlformats.org/drawingml/2006/chart" xmlns:r="http://schemas.openxmlformats.org/officeDocument/2006/relationships" r:id="rId2"/>
+          </a:graphicData>
+        </a:graphic>
+      </p:graphicFrame>
     </p:spTree>
     <p:extLst>
       <p:ext uri="{BB962C8B-B14F-4D97-AF65-F5344CB8AC3E}">
@@ -6369,7 +6956,7 @@
       </p:sp>
       <p:sp>
         <p:nvSpPr>
-          <p:cNvPr id="11" name="Inhaltsplatzhalter 10"/>
+          <p:cNvPr id="2" name="Inhaltsplatzhalter 1"/>
           <p:cNvSpPr>
             <a:spLocks noGrp="1"/>
           </p:cNvSpPr>
@@ -6382,7 +6969,7 @@
           <a:bodyPr/>
           <a:lstStyle/>
           <a:p>
-            <a:endParaRPr lang="de-DE" dirty="0"/>
+            <a:endParaRPr lang="de-DE"/>
           </a:p>
         </p:txBody>
       </p:sp>
@@ -6725,25 +7312,31 @@
           </a:p>
         </p:txBody>
       </p:sp>
-      <p:sp>
-        <p:nvSpPr>
-          <p:cNvPr id="11" name="Inhaltsplatzhalter 10"/>
-          <p:cNvSpPr>
-            <a:spLocks noGrp="1"/>
-          </p:cNvSpPr>
+      <p:graphicFrame>
+        <p:nvGraphicFramePr>
+          <p:cNvPr id="12" name="Inhaltsplatzhalter 11"/>
+          <p:cNvGraphicFramePr>
+            <a:graphicFrameLocks noGrp="1"/>
+          </p:cNvGraphicFramePr>
           <p:nvPr>
             <p:ph idx="1"/>
+            <p:extLst>
+              <p:ext uri="{D42A27DB-BD31-4B8C-83A1-F6EECF244321}">
+                <p14:modId xmlns:p14="http://schemas.microsoft.com/office/powerpoint/2010/main" val="8024204"/>
+              </p:ext>
+            </p:extLst>
           </p:nvPr>
-        </p:nvSpPr>
-        <p:spPr/>
-        <p:txBody>
-          <a:bodyPr/>
-          <a:lstStyle/>
-          <a:p>
-            <a:endParaRPr lang="de-DE" dirty="0"/>
-          </a:p>
-        </p:txBody>
-      </p:sp>
+        </p:nvGraphicFramePr>
+        <p:xfrm>
+          <a:off x="201881" y="1341911"/>
+          <a:ext cx="8740238" cy="4310743"/>
+        </p:xfrm>
+        <a:graphic>
+          <a:graphicData uri="http://schemas.openxmlformats.org/drawingml/2006/chart">
+            <c:chart xmlns:c="http://schemas.openxmlformats.org/drawingml/2006/chart" xmlns:r="http://schemas.openxmlformats.org/officeDocument/2006/relationships" r:id="rId2"/>
+          </a:graphicData>
+        </a:graphic>
+      </p:graphicFrame>
     </p:spTree>
     <p:extLst>
       <p:ext uri="{BB962C8B-B14F-4D97-AF65-F5344CB8AC3E}">
@@ -8070,7 +8663,6 @@
               <a:rPr lang="de-DE" sz="4400" dirty="0" smtClean="0"/>
               <a:t> - Zitronensäure</a:t>
             </a:r>
-            <a:endParaRPr lang="de-DE" sz="4400" dirty="0" smtClean="0"/>
           </a:p>
           <a:p>
             <a:endParaRPr lang="de-DE" dirty="0"/>
@@ -10376,7 +10968,226 @@
   <p:timing>
     <p:tnLst>
       <p:par>
-        <p:cTn id="1" dur="indefinite" restart="never" nodeType="tmRoot"/>
+        <p:cTn id="1" dur="indefinite" restart="never" nodeType="tmRoot">
+          <p:childTnLst>
+            <p:seq concurrent="1" nextAc="seek">
+              <p:cTn id="2" dur="indefinite" nodeType="mainSeq">
+                <p:childTnLst>
+                  <p:par>
+                    <p:cTn id="3" fill="hold">
+                      <p:stCondLst>
+                        <p:cond delay="indefinite"/>
+                      </p:stCondLst>
+                      <p:childTnLst>
+                        <p:par>
+                          <p:cTn id="4" fill="hold">
+                            <p:stCondLst>
+                              <p:cond delay="0"/>
+                            </p:stCondLst>
+                            <p:childTnLst>
+                              <p:par>
+                                <p:cTn id="5" presetID="1" presetClass="entr" presetSubtype="0" fill="hold" nodeType="clickEffect">
+                                  <p:stCondLst>
+                                    <p:cond delay="0"/>
+                                  </p:stCondLst>
+                                  <p:childTnLst>
+                                    <p:set>
+                                      <p:cBhvr>
+                                        <p:cTn id="6" dur="1" fill="hold">
+                                          <p:stCondLst>
+                                            <p:cond delay="0"/>
+                                          </p:stCondLst>
+                                        </p:cTn>
+                                        <p:tgtEl>
+                                          <p:spTgt spid="4">
+                                            <p:txEl>
+                                              <p:pRg st="0" end="0"/>
+                                            </p:txEl>
+                                          </p:spTgt>
+                                        </p:tgtEl>
+                                        <p:attrNameLst>
+                                          <p:attrName>style.visibility</p:attrName>
+                                        </p:attrNameLst>
+                                      </p:cBhvr>
+                                      <p:to>
+                                        <p:strVal val="visible"/>
+                                      </p:to>
+                                    </p:set>
+                                  </p:childTnLst>
+                                </p:cTn>
+                              </p:par>
+                            </p:childTnLst>
+                          </p:cTn>
+                        </p:par>
+                      </p:childTnLst>
+                    </p:cTn>
+                  </p:par>
+                  <p:par>
+                    <p:cTn id="7" fill="hold">
+                      <p:stCondLst>
+                        <p:cond delay="indefinite"/>
+                      </p:stCondLst>
+                      <p:childTnLst>
+                        <p:par>
+                          <p:cTn id="8" fill="hold">
+                            <p:stCondLst>
+                              <p:cond delay="0"/>
+                            </p:stCondLst>
+                            <p:childTnLst>
+                              <p:par>
+                                <p:cTn id="9" presetID="1" presetClass="entr" presetSubtype="0" fill="hold" nodeType="clickEffect">
+                                  <p:stCondLst>
+                                    <p:cond delay="0"/>
+                                  </p:stCondLst>
+                                  <p:childTnLst>
+                                    <p:set>
+                                      <p:cBhvr>
+                                        <p:cTn id="10" dur="1" fill="hold">
+                                          <p:stCondLst>
+                                            <p:cond delay="0"/>
+                                          </p:stCondLst>
+                                        </p:cTn>
+                                        <p:tgtEl>
+                                          <p:spTgt spid="4">
+                                            <p:txEl>
+                                              <p:pRg st="1" end="1"/>
+                                            </p:txEl>
+                                          </p:spTgt>
+                                        </p:tgtEl>
+                                        <p:attrNameLst>
+                                          <p:attrName>style.visibility</p:attrName>
+                                        </p:attrNameLst>
+                                      </p:cBhvr>
+                                      <p:to>
+                                        <p:strVal val="visible"/>
+                                      </p:to>
+                                    </p:set>
+                                  </p:childTnLst>
+                                </p:cTn>
+                              </p:par>
+                            </p:childTnLst>
+                          </p:cTn>
+                        </p:par>
+                      </p:childTnLst>
+                    </p:cTn>
+                  </p:par>
+                  <p:par>
+                    <p:cTn id="11" fill="hold">
+                      <p:stCondLst>
+                        <p:cond delay="indefinite"/>
+                      </p:stCondLst>
+                      <p:childTnLst>
+                        <p:par>
+                          <p:cTn id="12" fill="hold">
+                            <p:stCondLst>
+                              <p:cond delay="0"/>
+                            </p:stCondLst>
+                            <p:childTnLst>
+                              <p:par>
+                                <p:cTn id="13" presetID="1" presetClass="entr" presetSubtype="0" fill="hold" nodeType="clickEffect">
+                                  <p:stCondLst>
+                                    <p:cond delay="0"/>
+                                  </p:stCondLst>
+                                  <p:childTnLst>
+                                    <p:set>
+                                      <p:cBhvr>
+                                        <p:cTn id="14" dur="1" fill="hold">
+                                          <p:stCondLst>
+                                            <p:cond delay="0"/>
+                                          </p:stCondLst>
+                                        </p:cTn>
+                                        <p:tgtEl>
+                                          <p:spTgt spid="4">
+                                            <p:txEl>
+                                              <p:pRg st="2" end="2"/>
+                                            </p:txEl>
+                                          </p:spTgt>
+                                        </p:tgtEl>
+                                        <p:attrNameLst>
+                                          <p:attrName>style.visibility</p:attrName>
+                                        </p:attrNameLst>
+                                      </p:cBhvr>
+                                      <p:to>
+                                        <p:strVal val="visible"/>
+                                      </p:to>
+                                    </p:set>
+                                  </p:childTnLst>
+                                </p:cTn>
+                              </p:par>
+                            </p:childTnLst>
+                          </p:cTn>
+                        </p:par>
+                      </p:childTnLst>
+                    </p:cTn>
+                  </p:par>
+                  <p:par>
+                    <p:cTn id="15" fill="hold">
+                      <p:stCondLst>
+                        <p:cond delay="indefinite"/>
+                      </p:stCondLst>
+                      <p:childTnLst>
+                        <p:par>
+                          <p:cTn id="16" fill="hold">
+                            <p:stCondLst>
+                              <p:cond delay="0"/>
+                            </p:stCondLst>
+                            <p:childTnLst>
+                              <p:par>
+                                <p:cTn id="17" presetID="1" presetClass="entr" presetSubtype="0" fill="hold" nodeType="clickEffect">
+                                  <p:stCondLst>
+                                    <p:cond delay="0"/>
+                                  </p:stCondLst>
+                                  <p:childTnLst>
+                                    <p:set>
+                                      <p:cBhvr>
+                                        <p:cTn id="18" dur="1" fill="hold">
+                                          <p:stCondLst>
+                                            <p:cond delay="0"/>
+                                          </p:stCondLst>
+                                        </p:cTn>
+                                        <p:tgtEl>
+                                          <p:spTgt spid="4">
+                                            <p:txEl>
+                                              <p:pRg st="3" end="3"/>
+                                            </p:txEl>
+                                          </p:spTgt>
+                                        </p:tgtEl>
+                                        <p:attrNameLst>
+                                          <p:attrName>style.visibility</p:attrName>
+                                        </p:attrNameLst>
+                                      </p:cBhvr>
+                                      <p:to>
+                                        <p:strVal val="visible"/>
+                                      </p:to>
+                                    </p:set>
+                                  </p:childTnLst>
+                                </p:cTn>
+                              </p:par>
+                            </p:childTnLst>
+                          </p:cTn>
+                        </p:par>
+                      </p:childTnLst>
+                    </p:cTn>
+                  </p:par>
+                </p:childTnLst>
+              </p:cTn>
+              <p:prevCondLst>
+                <p:cond evt="onPrev" delay="0">
+                  <p:tgtEl>
+                    <p:sldTgt/>
+                  </p:tgtEl>
+                </p:cond>
+              </p:prevCondLst>
+              <p:nextCondLst>
+                <p:cond evt="onNext" delay="0">
+                  <p:tgtEl>
+                    <p:sldTgt/>
+                  </p:tgtEl>
+                </p:cond>
+              </p:nextCondLst>
+            </p:seq>
+          </p:childTnLst>
+        </p:cTn>
       </p:par>
     </p:tnLst>
   </p:timing>
@@ -11373,7 +12184,79 @@
   <p:timing>
     <p:tnLst>
       <p:par>
-        <p:cTn id="1" dur="indefinite" restart="never" nodeType="tmRoot"/>
+        <p:cTn id="1" dur="indefinite" restart="never" nodeType="tmRoot">
+          <p:childTnLst>
+            <p:seq concurrent="1" nextAc="seek">
+              <p:cTn id="2" dur="indefinite" nodeType="mainSeq">
+                <p:childTnLst>
+                  <p:par>
+                    <p:cTn id="3" fill="hold">
+                      <p:stCondLst>
+                        <p:cond delay="indefinite"/>
+                      </p:stCondLst>
+                      <p:childTnLst>
+                        <p:par>
+                          <p:cTn id="4" fill="hold">
+                            <p:stCondLst>
+                              <p:cond delay="0"/>
+                            </p:stCondLst>
+                            <p:childTnLst>
+                              <p:par>
+                                <p:cTn id="5" presetID="1" presetClass="entr" presetSubtype="0" fill="hold" nodeType="clickEffect">
+                                  <p:stCondLst>
+                                    <p:cond delay="0"/>
+                                  </p:stCondLst>
+                                  <p:childTnLst>
+                                    <p:set>
+                                      <p:cBhvr>
+                                        <p:cTn id="6" dur="1" fill="hold">
+                                          <p:stCondLst>
+                                            <p:cond delay="0"/>
+                                          </p:stCondLst>
+                                        </p:cTn>
+                                        <p:tgtEl>
+                                          <p:spTgt spid="3">
+                                            <p:txEl>
+                                              <p:pRg st="0" end="0"/>
+                                            </p:txEl>
+                                          </p:spTgt>
+                                        </p:tgtEl>
+                                        <p:attrNameLst>
+                                          <p:attrName>style.visibility</p:attrName>
+                                        </p:attrNameLst>
+                                      </p:cBhvr>
+                                      <p:to>
+                                        <p:strVal val="visible"/>
+                                      </p:to>
+                                    </p:set>
+                                  </p:childTnLst>
+                                </p:cTn>
+                              </p:par>
+                            </p:childTnLst>
+                          </p:cTn>
+                        </p:par>
+                      </p:childTnLst>
+                    </p:cTn>
+                  </p:par>
+                </p:childTnLst>
+              </p:cTn>
+              <p:prevCondLst>
+                <p:cond evt="onPrev" delay="0">
+                  <p:tgtEl>
+                    <p:sldTgt/>
+                  </p:tgtEl>
+                </p:cond>
+              </p:prevCondLst>
+              <p:nextCondLst>
+                <p:cond evt="onNext" delay="0">
+                  <p:tgtEl>
+                    <p:sldTgt/>
+                  </p:tgtEl>
+                </p:cond>
+              </p:nextCondLst>
+            </p:seq>
+          </p:childTnLst>
+        </p:cTn>
       </p:par>
     </p:tnLst>
   </p:timing>
